--- a/Research/Presentation1.pptx
+++ b/Research/Presentation1.pptx
@@ -4,20 +4,28 @@
   <p:sldMasterIdLst>
     <p:sldMasterId id="2147483648" r:id="rId1"/>
   </p:sldMasterIdLst>
+  <p:notesMasterIdLst>
+    <p:notesMasterId r:id="rId20"/>
+  </p:notesMasterIdLst>
   <p:sldIdLst>
     <p:sldId id="256" r:id="rId2"/>
     <p:sldId id="257" r:id="rId3"/>
     <p:sldId id="258" r:id="rId4"/>
-    <p:sldId id="259" r:id="rId5"/>
-    <p:sldId id="260" r:id="rId6"/>
-    <p:sldId id="261" r:id="rId7"/>
-    <p:sldId id="264" r:id="rId8"/>
-    <p:sldId id="266" r:id="rId9"/>
-    <p:sldId id="263" r:id="rId10"/>
-    <p:sldId id="267" r:id="rId11"/>
-    <p:sldId id="269" r:id="rId12"/>
-    <p:sldId id="270" r:id="rId13"/>
-    <p:sldId id="268" r:id="rId14"/>
+    <p:sldId id="275" r:id="rId5"/>
+    <p:sldId id="259" r:id="rId6"/>
+    <p:sldId id="260" r:id="rId7"/>
+    <p:sldId id="261" r:id="rId8"/>
+    <p:sldId id="264" r:id="rId9"/>
+    <p:sldId id="272" r:id="rId10"/>
+    <p:sldId id="271" r:id="rId11"/>
+    <p:sldId id="266" r:id="rId12"/>
+    <p:sldId id="263" r:id="rId13"/>
+    <p:sldId id="267" r:id="rId14"/>
+    <p:sldId id="269" r:id="rId15"/>
+    <p:sldId id="273" r:id="rId16"/>
+    <p:sldId id="274" r:id="rId17"/>
+    <p:sldId id="270" r:id="rId18"/>
+    <p:sldId id="268" r:id="rId19"/>
   </p:sldIdLst>
   <p:sldSz cx="12192000" cy="6858000"/>
   <p:notesSz cx="6858000" cy="9144000"/>
@@ -116,7 +124,551 @@
       </a:defRPr>
     </a:lvl9pPr>
   </p:defaultTextStyle>
+  <p:extLst>
+    <p:ext uri="{EFAFB233-063F-42B5-8137-9DF3F51BA10A}">
+      <p15:sldGuideLst xmlns:p15="http://schemas.microsoft.com/office/powerpoint/2012/main"/>
+    </p:ext>
+  </p:extLst>
 </p:presentation>
+</file>
+
+<file path=ppt/notesMasters/notesMaster1.xml><?xml version="1.0" encoding="utf-8"?>
+<p:notesMaster xmlns:a="http://schemas.openxmlformats.org/drawingml/2006/main" xmlns:r="http://schemas.openxmlformats.org/officeDocument/2006/relationships" xmlns:p="http://schemas.openxmlformats.org/presentationml/2006/main">
+  <p:cSld>
+    <p:bg>
+      <p:bgRef idx="1001">
+        <a:schemeClr val="bg1"/>
+      </p:bgRef>
+    </p:bg>
+    <p:spTree>
+      <p:nvGrpSpPr>
+        <p:cNvPr id="1" name=""/>
+        <p:cNvGrpSpPr/>
+        <p:nvPr/>
+      </p:nvGrpSpPr>
+      <p:grpSpPr>
+        <a:xfrm>
+          <a:off x="0" y="0"/>
+          <a:ext cx="0" cy="0"/>
+          <a:chOff x="0" y="0"/>
+          <a:chExt cx="0" cy="0"/>
+        </a:xfrm>
+      </p:grpSpPr>
+      <p:sp>
+        <p:nvSpPr>
+          <p:cNvPr id="2" name="Header Placeholder 1"/>
+          <p:cNvSpPr>
+            <a:spLocks noGrp="1"/>
+          </p:cNvSpPr>
+          <p:nvPr>
+            <p:ph type="hdr" sz="quarter"/>
+          </p:nvPr>
+        </p:nvSpPr>
+        <p:spPr>
+          <a:xfrm>
+            <a:off x="0" y="0"/>
+            <a:ext cx="2971800" cy="458788"/>
+          </a:xfrm>
+          <a:prstGeom prst="rect">
+            <a:avLst/>
+          </a:prstGeom>
+        </p:spPr>
+        <p:txBody>
+          <a:bodyPr vert="horz" lIns="91440" tIns="45720" rIns="91440" bIns="45720" rtlCol="0"/>
+          <a:lstStyle>
+            <a:lvl1pPr algn="l">
+              <a:defRPr sz="1200"/>
+            </a:lvl1pPr>
+          </a:lstStyle>
+          <a:p>
+            <a:endParaRPr lang="en-CA"/>
+          </a:p>
+        </p:txBody>
+      </p:sp>
+      <p:sp>
+        <p:nvSpPr>
+          <p:cNvPr id="3" name="Date Placeholder 2"/>
+          <p:cNvSpPr>
+            <a:spLocks noGrp="1"/>
+          </p:cNvSpPr>
+          <p:nvPr>
+            <p:ph type="dt" idx="1"/>
+          </p:nvPr>
+        </p:nvSpPr>
+        <p:spPr>
+          <a:xfrm>
+            <a:off x="3884613" y="0"/>
+            <a:ext cx="2971800" cy="458788"/>
+          </a:xfrm>
+          <a:prstGeom prst="rect">
+            <a:avLst/>
+          </a:prstGeom>
+        </p:spPr>
+        <p:txBody>
+          <a:bodyPr vert="horz" lIns="91440" tIns="45720" rIns="91440" bIns="45720" rtlCol="0"/>
+          <a:lstStyle>
+            <a:lvl1pPr algn="r">
+              <a:defRPr sz="1200"/>
+            </a:lvl1pPr>
+          </a:lstStyle>
+          <a:p>
+            <a:fld id="{47648353-B8B3-4D8B-AFF8-40E24B5CA641}" type="datetimeFigureOut">
+              <a:rPr lang="en-CA" smtClean="0"/>
+              <a:t>2019-04-17</a:t>
+            </a:fld>
+            <a:endParaRPr lang="en-CA"/>
+          </a:p>
+        </p:txBody>
+      </p:sp>
+      <p:sp>
+        <p:nvSpPr>
+          <p:cNvPr id="4" name="Slide Image Placeholder 3"/>
+          <p:cNvSpPr>
+            <a:spLocks noGrp="1" noRot="1" noChangeAspect="1"/>
+          </p:cNvSpPr>
+          <p:nvPr>
+            <p:ph type="sldImg" idx="2"/>
+          </p:nvPr>
+        </p:nvSpPr>
+        <p:spPr>
+          <a:xfrm>
+            <a:off x="685800" y="1143000"/>
+            <a:ext cx="5486400" cy="3086100"/>
+          </a:xfrm>
+          <a:prstGeom prst="rect">
+            <a:avLst/>
+          </a:prstGeom>
+          <a:noFill/>
+          <a:ln w="12700">
+            <a:solidFill>
+              <a:prstClr val="black"/>
+            </a:solidFill>
+          </a:ln>
+        </p:spPr>
+        <p:txBody>
+          <a:bodyPr vert="horz" lIns="91440" tIns="45720" rIns="91440" bIns="45720" rtlCol="0" anchor="ctr"/>
+          <a:lstStyle/>
+          <a:p>
+            <a:endParaRPr lang="en-CA"/>
+          </a:p>
+        </p:txBody>
+      </p:sp>
+      <p:sp>
+        <p:nvSpPr>
+          <p:cNvPr id="5" name="Notes Placeholder 4"/>
+          <p:cNvSpPr>
+            <a:spLocks noGrp="1"/>
+          </p:cNvSpPr>
+          <p:nvPr>
+            <p:ph type="body" sz="quarter" idx="3"/>
+          </p:nvPr>
+        </p:nvSpPr>
+        <p:spPr>
+          <a:xfrm>
+            <a:off x="685800" y="4400550"/>
+            <a:ext cx="5486400" cy="3600450"/>
+          </a:xfrm>
+          <a:prstGeom prst="rect">
+            <a:avLst/>
+          </a:prstGeom>
+        </p:spPr>
+        <p:txBody>
+          <a:bodyPr vert="horz" lIns="91440" tIns="45720" rIns="91440" bIns="45720" rtlCol="0"/>
+          <a:lstStyle/>
+          <a:p>
+            <a:pPr lvl="0"/>
+            <a:r>
+              <a:rPr lang="en-US"/>
+              <a:t>Edit Master text styles</a:t>
+            </a:r>
+          </a:p>
+          <a:p>
+            <a:pPr lvl="1"/>
+            <a:r>
+              <a:rPr lang="en-US"/>
+              <a:t>Second level</a:t>
+            </a:r>
+          </a:p>
+          <a:p>
+            <a:pPr lvl="2"/>
+            <a:r>
+              <a:rPr lang="en-US"/>
+              <a:t>Third level</a:t>
+            </a:r>
+          </a:p>
+          <a:p>
+            <a:pPr lvl="3"/>
+            <a:r>
+              <a:rPr lang="en-US"/>
+              <a:t>Fourth level</a:t>
+            </a:r>
+          </a:p>
+          <a:p>
+            <a:pPr lvl="4"/>
+            <a:r>
+              <a:rPr lang="en-US"/>
+              <a:t>Fifth level</a:t>
+            </a:r>
+            <a:endParaRPr lang="en-CA"/>
+          </a:p>
+        </p:txBody>
+      </p:sp>
+      <p:sp>
+        <p:nvSpPr>
+          <p:cNvPr id="6" name="Footer Placeholder 5"/>
+          <p:cNvSpPr>
+            <a:spLocks noGrp="1"/>
+          </p:cNvSpPr>
+          <p:nvPr>
+            <p:ph type="ftr" sz="quarter" idx="4"/>
+          </p:nvPr>
+        </p:nvSpPr>
+        <p:spPr>
+          <a:xfrm>
+            <a:off x="0" y="8685213"/>
+            <a:ext cx="2971800" cy="458787"/>
+          </a:xfrm>
+          <a:prstGeom prst="rect">
+            <a:avLst/>
+          </a:prstGeom>
+        </p:spPr>
+        <p:txBody>
+          <a:bodyPr vert="horz" lIns="91440" tIns="45720" rIns="91440" bIns="45720" rtlCol="0" anchor="b"/>
+          <a:lstStyle>
+            <a:lvl1pPr algn="l">
+              <a:defRPr sz="1200"/>
+            </a:lvl1pPr>
+          </a:lstStyle>
+          <a:p>
+            <a:endParaRPr lang="en-CA"/>
+          </a:p>
+        </p:txBody>
+      </p:sp>
+      <p:sp>
+        <p:nvSpPr>
+          <p:cNvPr id="7" name="Slide Number Placeholder 6"/>
+          <p:cNvSpPr>
+            <a:spLocks noGrp="1"/>
+          </p:cNvSpPr>
+          <p:nvPr>
+            <p:ph type="sldNum" sz="quarter" idx="5"/>
+          </p:nvPr>
+        </p:nvSpPr>
+        <p:spPr>
+          <a:xfrm>
+            <a:off x="3884613" y="8685213"/>
+            <a:ext cx="2971800" cy="458787"/>
+          </a:xfrm>
+          <a:prstGeom prst="rect">
+            <a:avLst/>
+          </a:prstGeom>
+        </p:spPr>
+        <p:txBody>
+          <a:bodyPr vert="horz" lIns="91440" tIns="45720" rIns="91440" bIns="45720" rtlCol="0" anchor="b"/>
+          <a:lstStyle>
+            <a:lvl1pPr algn="r">
+              <a:defRPr sz="1200"/>
+            </a:lvl1pPr>
+          </a:lstStyle>
+          <a:p>
+            <a:fld id="{8F039C22-FF05-4774-8345-F3F740FE44A0}" type="slidenum">
+              <a:rPr lang="en-CA" smtClean="0"/>
+              <a:t>‹#›</a:t>
+            </a:fld>
+            <a:endParaRPr lang="en-CA"/>
+          </a:p>
+        </p:txBody>
+      </p:sp>
+    </p:spTree>
+    <p:extLst>
+      <p:ext uri="{BB962C8B-B14F-4D97-AF65-F5344CB8AC3E}">
+        <p14:creationId xmlns:p14="http://schemas.microsoft.com/office/powerpoint/2010/main" val="1546177454"/>
+      </p:ext>
+    </p:extLst>
+  </p:cSld>
+  <p:clrMap bg1="lt1" tx1="dk1" bg2="lt2" tx2="dk2" accent1="accent1" accent2="accent2" accent3="accent3" accent4="accent4" accent5="accent5" accent6="accent6" hlink="hlink" folHlink="folHlink"/>
+  <p:notesStyle>
+    <a:lvl1pPr marL="0" algn="l" defTabSz="914400" rtl="0" eaLnBrk="1" latinLnBrk="0" hangingPunct="1">
+      <a:defRPr sz="1200" kern="1200">
+        <a:solidFill>
+          <a:schemeClr val="tx1"/>
+        </a:solidFill>
+        <a:latin typeface="+mn-lt"/>
+        <a:ea typeface="+mn-ea"/>
+        <a:cs typeface="+mn-cs"/>
+      </a:defRPr>
+    </a:lvl1pPr>
+    <a:lvl2pPr marL="457200" algn="l" defTabSz="914400" rtl="0" eaLnBrk="1" latinLnBrk="0" hangingPunct="1">
+      <a:defRPr sz="1200" kern="1200">
+        <a:solidFill>
+          <a:schemeClr val="tx1"/>
+        </a:solidFill>
+        <a:latin typeface="+mn-lt"/>
+        <a:ea typeface="+mn-ea"/>
+        <a:cs typeface="+mn-cs"/>
+      </a:defRPr>
+    </a:lvl2pPr>
+    <a:lvl3pPr marL="914400" algn="l" defTabSz="914400" rtl="0" eaLnBrk="1" latinLnBrk="0" hangingPunct="1">
+      <a:defRPr sz="1200" kern="1200">
+        <a:solidFill>
+          <a:schemeClr val="tx1"/>
+        </a:solidFill>
+        <a:latin typeface="+mn-lt"/>
+        <a:ea typeface="+mn-ea"/>
+        <a:cs typeface="+mn-cs"/>
+      </a:defRPr>
+    </a:lvl3pPr>
+    <a:lvl4pPr marL="1371600" algn="l" defTabSz="914400" rtl="0" eaLnBrk="1" latinLnBrk="0" hangingPunct="1">
+      <a:defRPr sz="1200" kern="1200">
+        <a:solidFill>
+          <a:schemeClr val="tx1"/>
+        </a:solidFill>
+        <a:latin typeface="+mn-lt"/>
+        <a:ea typeface="+mn-ea"/>
+        <a:cs typeface="+mn-cs"/>
+      </a:defRPr>
+    </a:lvl4pPr>
+    <a:lvl5pPr marL="1828800" algn="l" defTabSz="914400" rtl="0" eaLnBrk="1" latinLnBrk="0" hangingPunct="1">
+      <a:defRPr sz="1200" kern="1200">
+        <a:solidFill>
+          <a:schemeClr val="tx1"/>
+        </a:solidFill>
+        <a:latin typeface="+mn-lt"/>
+        <a:ea typeface="+mn-ea"/>
+        <a:cs typeface="+mn-cs"/>
+      </a:defRPr>
+    </a:lvl5pPr>
+    <a:lvl6pPr marL="2286000" algn="l" defTabSz="914400" rtl="0" eaLnBrk="1" latinLnBrk="0" hangingPunct="1">
+      <a:defRPr sz="1200" kern="1200">
+        <a:solidFill>
+          <a:schemeClr val="tx1"/>
+        </a:solidFill>
+        <a:latin typeface="+mn-lt"/>
+        <a:ea typeface="+mn-ea"/>
+        <a:cs typeface="+mn-cs"/>
+      </a:defRPr>
+    </a:lvl6pPr>
+    <a:lvl7pPr marL="2743200" algn="l" defTabSz="914400" rtl="0" eaLnBrk="1" latinLnBrk="0" hangingPunct="1">
+      <a:defRPr sz="1200" kern="1200">
+        <a:solidFill>
+          <a:schemeClr val="tx1"/>
+        </a:solidFill>
+        <a:latin typeface="+mn-lt"/>
+        <a:ea typeface="+mn-ea"/>
+        <a:cs typeface="+mn-cs"/>
+      </a:defRPr>
+    </a:lvl7pPr>
+    <a:lvl8pPr marL="3200400" algn="l" defTabSz="914400" rtl="0" eaLnBrk="1" latinLnBrk="0" hangingPunct="1">
+      <a:defRPr sz="1200" kern="1200">
+        <a:solidFill>
+          <a:schemeClr val="tx1"/>
+        </a:solidFill>
+        <a:latin typeface="+mn-lt"/>
+        <a:ea typeface="+mn-ea"/>
+        <a:cs typeface="+mn-cs"/>
+      </a:defRPr>
+    </a:lvl8pPr>
+    <a:lvl9pPr marL="3657600" algn="l" defTabSz="914400" rtl="0" eaLnBrk="1" latinLnBrk="0" hangingPunct="1">
+      <a:defRPr sz="1200" kern="1200">
+        <a:solidFill>
+          <a:schemeClr val="tx1"/>
+        </a:solidFill>
+        <a:latin typeface="+mn-lt"/>
+        <a:ea typeface="+mn-ea"/>
+        <a:cs typeface="+mn-cs"/>
+      </a:defRPr>
+    </a:lvl9pPr>
+  </p:notesStyle>
+</p:notesMaster>
+</file>
+
+<file path=ppt/notesSlides/notesSlide1.xml><?xml version="1.0" encoding="utf-8"?>
+<p:notes xmlns:a="http://schemas.openxmlformats.org/drawingml/2006/main" xmlns:r="http://schemas.openxmlformats.org/officeDocument/2006/relationships" xmlns:p="http://schemas.openxmlformats.org/presentationml/2006/main">
+  <p:cSld>
+    <p:spTree>
+      <p:nvGrpSpPr>
+        <p:cNvPr id="1" name=""/>
+        <p:cNvGrpSpPr/>
+        <p:nvPr/>
+      </p:nvGrpSpPr>
+      <p:grpSpPr>
+        <a:xfrm>
+          <a:off x="0" y="0"/>
+          <a:ext cx="0" cy="0"/>
+          <a:chOff x="0" y="0"/>
+          <a:chExt cx="0" cy="0"/>
+        </a:xfrm>
+      </p:grpSpPr>
+      <p:sp>
+        <p:nvSpPr>
+          <p:cNvPr id="2" name="Slide Image Placeholder 1"/>
+          <p:cNvSpPr>
+            <a:spLocks noGrp="1" noRot="1" noChangeAspect="1"/>
+          </p:cNvSpPr>
+          <p:nvPr>
+            <p:ph type="sldImg"/>
+          </p:nvPr>
+        </p:nvSpPr>
+        <p:spPr/>
+      </p:sp>
+      <p:sp>
+        <p:nvSpPr>
+          <p:cNvPr id="3" name="Notes Placeholder 2"/>
+          <p:cNvSpPr>
+            <a:spLocks noGrp="1"/>
+          </p:cNvSpPr>
+          <p:nvPr>
+            <p:ph type="body" idx="1"/>
+          </p:nvPr>
+        </p:nvSpPr>
+        <p:spPr/>
+        <p:txBody>
+          <a:bodyPr/>
+          <a:lstStyle/>
+          <a:p>
+            <a:r>
+              <a:rPr lang="en-US" dirty="0"/>
+              <a:t>Also mention the configuration we have chosen and its over all success rate (~</a:t>
+            </a:r>
+            <a:r>
+              <a:rPr lang="en-US"/>
+              <a:t>85%)</a:t>
+            </a:r>
+            <a:endParaRPr lang="en-US" dirty="0"/>
+          </a:p>
+          <a:p>
+            <a:endParaRPr lang="en-CA" dirty="0"/>
+          </a:p>
+        </p:txBody>
+      </p:sp>
+      <p:sp>
+        <p:nvSpPr>
+          <p:cNvPr id="4" name="Slide Number Placeholder 3"/>
+          <p:cNvSpPr>
+            <a:spLocks noGrp="1"/>
+          </p:cNvSpPr>
+          <p:nvPr>
+            <p:ph type="sldNum" sz="quarter" idx="5"/>
+          </p:nvPr>
+        </p:nvSpPr>
+        <p:spPr/>
+        <p:txBody>
+          <a:bodyPr/>
+          <a:lstStyle/>
+          <a:p>
+            <a:fld id="{8F039C22-FF05-4774-8345-F3F740FE44A0}" type="slidenum">
+              <a:rPr lang="en-CA" smtClean="0"/>
+              <a:t>10</a:t>
+            </a:fld>
+            <a:endParaRPr lang="en-CA"/>
+          </a:p>
+        </p:txBody>
+      </p:sp>
+    </p:spTree>
+    <p:extLst>
+      <p:ext uri="{BB962C8B-B14F-4D97-AF65-F5344CB8AC3E}">
+        <p14:creationId xmlns:p14="http://schemas.microsoft.com/office/powerpoint/2010/main" val="2901165014"/>
+      </p:ext>
+    </p:extLst>
+  </p:cSld>
+  <p:clrMapOvr>
+    <a:masterClrMapping/>
+  </p:clrMapOvr>
+</p:notes>
+</file>
+
+<file path=ppt/notesSlides/notesSlide2.xml><?xml version="1.0" encoding="utf-8"?>
+<p:notes xmlns:a="http://schemas.openxmlformats.org/drawingml/2006/main" xmlns:r="http://schemas.openxmlformats.org/officeDocument/2006/relationships" xmlns:p="http://schemas.openxmlformats.org/presentationml/2006/main">
+  <p:cSld>
+    <p:spTree>
+      <p:nvGrpSpPr>
+        <p:cNvPr id="1" name=""/>
+        <p:cNvGrpSpPr/>
+        <p:nvPr/>
+      </p:nvGrpSpPr>
+      <p:grpSpPr>
+        <a:xfrm>
+          <a:off x="0" y="0"/>
+          <a:ext cx="0" cy="0"/>
+          <a:chOff x="0" y="0"/>
+          <a:chExt cx="0" cy="0"/>
+        </a:xfrm>
+      </p:grpSpPr>
+      <p:sp>
+        <p:nvSpPr>
+          <p:cNvPr id="2" name="Slide Image Placeholder 1"/>
+          <p:cNvSpPr>
+            <a:spLocks noGrp="1" noRot="1" noChangeAspect="1"/>
+          </p:cNvSpPr>
+          <p:nvPr>
+            <p:ph type="sldImg"/>
+          </p:nvPr>
+        </p:nvSpPr>
+        <p:spPr/>
+      </p:sp>
+      <p:sp>
+        <p:nvSpPr>
+          <p:cNvPr id="3" name="Notes Placeholder 2"/>
+          <p:cNvSpPr>
+            <a:spLocks noGrp="1"/>
+          </p:cNvSpPr>
+          <p:nvPr>
+            <p:ph type="body" idx="1"/>
+          </p:nvPr>
+        </p:nvSpPr>
+        <p:spPr/>
+        <p:txBody>
+          <a:bodyPr/>
+          <a:lstStyle/>
+          <a:p>
+            <a:r>
+              <a:rPr lang="en-US" dirty="0"/>
+              <a:t>Golden Run, filter out environmental conditions, routs etc. to avoid inherent machine learning errors.</a:t>
+            </a:r>
+          </a:p>
+          <a:p>
+            <a:r>
+              <a:rPr lang="en-US" dirty="0"/>
+              <a:t>Mentions the trials, with different weathers, routes etc.</a:t>
+            </a:r>
+            <a:endParaRPr lang="en-CA" dirty="0"/>
+          </a:p>
+        </p:txBody>
+      </p:sp>
+      <p:sp>
+        <p:nvSpPr>
+          <p:cNvPr id="4" name="Slide Number Placeholder 3"/>
+          <p:cNvSpPr>
+            <a:spLocks noGrp="1"/>
+          </p:cNvSpPr>
+          <p:nvPr>
+            <p:ph type="sldNum" sz="quarter" idx="5"/>
+          </p:nvPr>
+        </p:nvSpPr>
+        <p:spPr/>
+        <p:txBody>
+          <a:bodyPr/>
+          <a:lstStyle/>
+          <a:p>
+            <a:fld id="{8F039C22-FF05-4774-8345-F3F740FE44A0}" type="slidenum">
+              <a:rPr lang="en-CA" smtClean="0"/>
+              <a:t>11</a:t>
+            </a:fld>
+            <a:endParaRPr lang="en-CA"/>
+          </a:p>
+        </p:txBody>
+      </p:sp>
+    </p:spTree>
+    <p:extLst>
+      <p:ext uri="{BB962C8B-B14F-4D97-AF65-F5344CB8AC3E}">
+        <p14:creationId xmlns:p14="http://schemas.microsoft.com/office/powerpoint/2010/main" val="1458756851"/>
+      </p:ext>
+    </p:extLst>
+  </p:cSld>
+  <p:clrMapOvr>
+    <a:masterClrMapping/>
+  </p:clrMapOvr>
+</p:notes>
 </file>
 
 <file path=ppt/slideLayouts/slideLayout1.xml><?xml version="1.0" encoding="utf-8"?>
@@ -3439,7 +3991,7 @@
           <p:cNvPr id="2" name="Title 1">
             <a:extLst>
               <a:ext uri="{FF2B5EF4-FFF2-40B4-BE49-F238E27FC236}">
-                <a16:creationId xmlns:a16="http://schemas.microsoft.com/office/drawing/2014/main" id="{4D838314-ED4D-4A8B-A8D7-A8A7C656C3FC}"/>
+                <a16:creationId xmlns:a16="http://schemas.microsoft.com/office/drawing/2014/main" id="{A3F0AF0F-0A31-4524-8F51-4A4896A7A4D3}"/>
               </a:ext>
             </a:extLst>
           </p:cNvPr>
@@ -3457,7 +4009,7 @@
           <a:p>
             <a:r>
               <a:rPr lang="en-US" dirty="0"/>
-              <a:t>Results</a:t>
+              <a:t>CARLA – Structure</a:t>
             </a:r>
             <a:endParaRPr lang="en-CA" dirty="0"/>
           </a:p>
@@ -3465,25 +4017,200 @@
       </p:sp>
       <p:sp>
         <p:nvSpPr>
-          <p:cNvPr id="3" name="Content Placeholder 2">
-            <a:extLst>
-              <a:ext uri="{FF2B5EF4-FFF2-40B4-BE49-F238E27FC236}">
-                <a16:creationId xmlns:a16="http://schemas.microsoft.com/office/drawing/2014/main" id="{415F2AA8-2085-4334-8447-F30C0C8DA54A}"/>
-              </a:ext>
-            </a:extLst>
-          </p:cNvPr>
-          <p:cNvSpPr>
-            <a:spLocks noGrp="1"/>
-          </p:cNvSpPr>
-          <p:nvPr>
-            <p:ph idx="1"/>
-          </p:nvPr>
-        </p:nvSpPr>
-        <p:spPr/>
-        <p:txBody>
-          <a:bodyPr/>
-          <a:lstStyle/>
-          <a:p>
+          <p:cNvPr id="4" name="Rectangle: Rounded Corners 3">
+            <a:extLst>
+              <a:ext uri="{FF2B5EF4-FFF2-40B4-BE49-F238E27FC236}">
+                <a16:creationId xmlns:a16="http://schemas.microsoft.com/office/drawing/2014/main" id="{F9CD9C1C-73E8-4870-8782-F12ADF9AD754}"/>
+              </a:ext>
+            </a:extLst>
+          </p:cNvPr>
+          <p:cNvSpPr/>
+          <p:nvPr/>
+        </p:nvSpPr>
+        <p:spPr>
+          <a:xfrm>
+            <a:off x="3080552" y="2736539"/>
+            <a:ext cx="1296140" cy="574829"/>
+          </a:xfrm>
+          <a:prstGeom prst="roundRect">
+            <a:avLst/>
+          </a:prstGeom>
+        </p:spPr>
+        <p:style>
+          <a:lnRef idx="2">
+            <a:schemeClr val="accent1">
+              <a:shade val="50000"/>
+            </a:schemeClr>
+          </a:lnRef>
+          <a:fillRef idx="1">
+            <a:schemeClr val="accent1"/>
+          </a:fillRef>
+          <a:effectRef idx="0">
+            <a:schemeClr val="accent1"/>
+          </a:effectRef>
+          <a:fontRef idx="minor">
+            <a:schemeClr val="lt1"/>
+          </a:fontRef>
+        </p:style>
+        <p:txBody>
+          <a:bodyPr rtlCol="0" anchor="ctr"/>
+          <a:lstStyle/>
+          <a:p>
+            <a:pPr algn="ctr"/>
+            <a:r>
+              <a:rPr lang="en-US" dirty="0"/>
+              <a:t>Server</a:t>
+            </a:r>
+            <a:endParaRPr lang="en-CA" dirty="0"/>
+          </a:p>
+        </p:txBody>
+      </p:sp>
+      <p:sp>
+        <p:nvSpPr>
+          <p:cNvPr id="5" name="Rectangle: Rounded Corners 4">
+            <a:extLst>
+              <a:ext uri="{FF2B5EF4-FFF2-40B4-BE49-F238E27FC236}">
+                <a16:creationId xmlns:a16="http://schemas.microsoft.com/office/drawing/2014/main" id="{5571ABB7-2C99-45C0-9232-51D276149FAA}"/>
+              </a:ext>
+            </a:extLst>
+          </p:cNvPr>
+          <p:cNvSpPr/>
+          <p:nvPr/>
+        </p:nvSpPr>
+        <p:spPr>
+          <a:xfrm>
+            <a:off x="5931763" y="2736539"/>
+            <a:ext cx="1296140" cy="574829"/>
+          </a:xfrm>
+          <a:prstGeom prst="roundRect">
+            <a:avLst/>
+          </a:prstGeom>
+        </p:spPr>
+        <p:style>
+          <a:lnRef idx="2">
+            <a:schemeClr val="accent1">
+              <a:shade val="50000"/>
+            </a:schemeClr>
+          </a:lnRef>
+          <a:fillRef idx="1">
+            <a:schemeClr val="accent1"/>
+          </a:fillRef>
+          <a:effectRef idx="0">
+            <a:schemeClr val="accent1"/>
+          </a:effectRef>
+          <a:fontRef idx="minor">
+            <a:schemeClr val="lt1"/>
+          </a:fontRef>
+        </p:style>
+        <p:txBody>
+          <a:bodyPr rtlCol="0" anchor="ctr"/>
+          <a:lstStyle/>
+          <a:p>
+            <a:pPr algn="ctr"/>
+            <a:r>
+              <a:rPr lang="en-US" dirty="0"/>
+              <a:t>Client</a:t>
+            </a:r>
+            <a:endParaRPr lang="en-CA" dirty="0"/>
+          </a:p>
+        </p:txBody>
+      </p:sp>
+      <p:sp>
+        <p:nvSpPr>
+          <p:cNvPr id="7" name="Rectangle: Rounded Corners 6">
+            <a:extLst>
+              <a:ext uri="{FF2B5EF4-FFF2-40B4-BE49-F238E27FC236}">
+                <a16:creationId xmlns:a16="http://schemas.microsoft.com/office/drawing/2014/main" id="{C3A70975-7C40-46EF-B2E9-BBBE07E24C28}"/>
+              </a:ext>
+            </a:extLst>
+          </p:cNvPr>
+          <p:cNvSpPr/>
+          <p:nvPr/>
+        </p:nvSpPr>
+        <p:spPr>
+          <a:xfrm>
+            <a:off x="8534399" y="2742889"/>
+            <a:ext cx="1296140" cy="574829"/>
+          </a:xfrm>
+          <a:prstGeom prst="roundRect">
+            <a:avLst/>
+          </a:prstGeom>
+        </p:spPr>
+        <p:style>
+          <a:lnRef idx="2">
+            <a:schemeClr val="accent1">
+              <a:shade val="50000"/>
+            </a:schemeClr>
+          </a:lnRef>
+          <a:fillRef idx="1">
+            <a:schemeClr val="accent1"/>
+          </a:fillRef>
+          <a:effectRef idx="0">
+            <a:schemeClr val="accent1"/>
+          </a:effectRef>
+          <a:fontRef idx="minor">
+            <a:schemeClr val="lt1"/>
+          </a:fontRef>
+        </p:style>
+        <p:txBody>
+          <a:bodyPr rtlCol="0" anchor="ctr"/>
+          <a:lstStyle/>
+          <a:p>
+            <a:pPr algn="ctr"/>
+            <a:r>
+              <a:rPr lang="en-US" dirty="0"/>
+              <a:t>Driving agent </a:t>
+            </a:r>
+            <a:endParaRPr lang="en-CA" dirty="0"/>
+          </a:p>
+        </p:txBody>
+      </p:sp>
+      <p:sp>
+        <p:nvSpPr>
+          <p:cNvPr id="11" name="Rectangle: Rounded Corners 10">
+            <a:extLst>
+              <a:ext uri="{FF2B5EF4-FFF2-40B4-BE49-F238E27FC236}">
+                <a16:creationId xmlns:a16="http://schemas.microsoft.com/office/drawing/2014/main" id="{50E5B21C-5193-4D6B-A712-B5786D2EDC2A}"/>
+              </a:ext>
+            </a:extLst>
+          </p:cNvPr>
+          <p:cNvSpPr/>
+          <p:nvPr/>
+        </p:nvSpPr>
+        <p:spPr>
+          <a:xfrm>
+            <a:off x="2363680" y="4328979"/>
+            <a:ext cx="1171852" cy="574829"/>
+          </a:xfrm>
+          <a:prstGeom prst="roundRect">
+            <a:avLst/>
+          </a:prstGeom>
+        </p:spPr>
+        <p:style>
+          <a:lnRef idx="2">
+            <a:schemeClr val="accent1">
+              <a:shade val="50000"/>
+            </a:schemeClr>
+          </a:lnRef>
+          <a:fillRef idx="1">
+            <a:schemeClr val="accent1"/>
+          </a:fillRef>
+          <a:effectRef idx="0">
+            <a:schemeClr val="accent1"/>
+          </a:effectRef>
+          <a:fontRef idx="minor">
+            <a:schemeClr val="lt1"/>
+          </a:fontRef>
+        </p:style>
+        <p:txBody>
+          <a:bodyPr rtlCol="0" anchor="ctr"/>
+          <a:lstStyle/>
+          <a:p>
+            <a:pPr algn="ctr"/>
+            <a:r>
+              <a:rPr lang="en-US" sz="1400" dirty="0"/>
+              <a:t>Environment</a:t>
+            </a:r>
             <a:r>
               <a:rPr lang="en-US" dirty="0"/>
               <a:t> </a:t>
@@ -3492,16 +4219,940 @@
           </a:p>
         </p:txBody>
       </p:sp>
+      <p:sp>
+        <p:nvSpPr>
+          <p:cNvPr id="12" name="Rectangle: Rounded Corners 11">
+            <a:extLst>
+              <a:ext uri="{FF2B5EF4-FFF2-40B4-BE49-F238E27FC236}">
+                <a16:creationId xmlns:a16="http://schemas.microsoft.com/office/drawing/2014/main" id="{F2CB97D2-6AA2-48F9-8DC9-E565488DB1C8}"/>
+              </a:ext>
+            </a:extLst>
+          </p:cNvPr>
+          <p:cNvSpPr/>
+          <p:nvPr/>
+        </p:nvSpPr>
+        <p:spPr>
+          <a:xfrm>
+            <a:off x="3854019" y="4343402"/>
+            <a:ext cx="1171852" cy="574829"/>
+          </a:xfrm>
+          <a:prstGeom prst="roundRect">
+            <a:avLst/>
+          </a:prstGeom>
+        </p:spPr>
+        <p:style>
+          <a:lnRef idx="2">
+            <a:schemeClr val="accent1">
+              <a:shade val="50000"/>
+            </a:schemeClr>
+          </a:lnRef>
+          <a:fillRef idx="1">
+            <a:schemeClr val="accent1"/>
+          </a:fillRef>
+          <a:effectRef idx="0">
+            <a:schemeClr val="accent1"/>
+          </a:effectRef>
+          <a:fontRef idx="minor">
+            <a:schemeClr val="lt1"/>
+          </a:fontRef>
+        </p:style>
+        <p:txBody>
+          <a:bodyPr rtlCol="0" anchor="ctr"/>
+          <a:lstStyle/>
+          <a:p>
+            <a:pPr algn="ctr"/>
+            <a:r>
+              <a:rPr lang="en-US" dirty="0"/>
+              <a:t>AV</a:t>
+            </a:r>
+            <a:endParaRPr lang="en-CA" dirty="0"/>
+          </a:p>
+        </p:txBody>
+      </p:sp>
+      <p:sp>
+        <p:nvSpPr>
+          <p:cNvPr id="13" name="Rectangle 12">
+            <a:extLst>
+              <a:ext uri="{FF2B5EF4-FFF2-40B4-BE49-F238E27FC236}">
+                <a16:creationId xmlns:a16="http://schemas.microsoft.com/office/drawing/2014/main" id="{F893C004-6A78-4A6E-A1FC-A18547D2BB16}"/>
+              </a:ext>
+            </a:extLst>
+          </p:cNvPr>
+          <p:cNvSpPr/>
+          <p:nvPr/>
+        </p:nvSpPr>
+        <p:spPr>
+          <a:xfrm>
+            <a:off x="2112886" y="4128120"/>
+            <a:ext cx="3231472" cy="1837678"/>
+          </a:xfrm>
+          <a:prstGeom prst="rect">
+            <a:avLst/>
+          </a:prstGeom>
+          <a:noFill/>
+          <a:ln w="9525" cap="flat" cmpd="sng" algn="ctr">
+            <a:solidFill>
+              <a:schemeClr val="accent1"/>
+            </a:solidFill>
+            <a:prstDash val="solid"/>
+            <a:round/>
+            <a:headEnd type="none" w="med" len="med"/>
+            <a:tailEnd type="none" w="med" len="med"/>
+          </a:ln>
+        </p:spPr>
+        <p:style>
+          <a:lnRef idx="0">
+            <a:scrgbClr r="0" g="0" b="0"/>
+          </a:lnRef>
+          <a:fillRef idx="0">
+            <a:scrgbClr r="0" g="0" b="0"/>
+          </a:fillRef>
+          <a:effectRef idx="0">
+            <a:scrgbClr r="0" g="0" b="0"/>
+          </a:effectRef>
+          <a:fontRef idx="minor">
+            <a:schemeClr val="accent1"/>
+          </a:fontRef>
+        </p:style>
+        <p:txBody>
+          <a:bodyPr rtlCol="0" anchor="ctr"/>
+          <a:lstStyle/>
+          <a:p>
+            <a:pPr algn="ctr"/>
+            <a:endParaRPr lang="en-CA"/>
+          </a:p>
+        </p:txBody>
+      </p:sp>
+      <p:sp>
+        <p:nvSpPr>
+          <p:cNvPr id="20" name="Rectangle: Rounded Corners 19">
+            <a:extLst>
+              <a:ext uri="{FF2B5EF4-FFF2-40B4-BE49-F238E27FC236}">
+                <a16:creationId xmlns:a16="http://schemas.microsoft.com/office/drawing/2014/main" id="{71A1BE71-1E4F-4407-8DF1-9EE67F3AA608}"/>
+              </a:ext>
+            </a:extLst>
+          </p:cNvPr>
+          <p:cNvSpPr/>
+          <p:nvPr/>
+        </p:nvSpPr>
+        <p:spPr>
+          <a:xfrm>
+            <a:off x="3854019" y="5198989"/>
+            <a:ext cx="1171852" cy="574829"/>
+          </a:xfrm>
+          <a:prstGeom prst="roundRect">
+            <a:avLst/>
+          </a:prstGeom>
+        </p:spPr>
+        <p:style>
+          <a:lnRef idx="2">
+            <a:schemeClr val="accent1">
+              <a:shade val="50000"/>
+            </a:schemeClr>
+          </a:lnRef>
+          <a:fillRef idx="1">
+            <a:schemeClr val="accent1"/>
+          </a:fillRef>
+          <a:effectRef idx="0">
+            <a:schemeClr val="accent1"/>
+          </a:effectRef>
+          <a:fontRef idx="minor">
+            <a:schemeClr val="lt1"/>
+          </a:fontRef>
+        </p:style>
+        <p:txBody>
+          <a:bodyPr rtlCol="0" anchor="ctr"/>
+          <a:lstStyle/>
+          <a:p>
+            <a:pPr algn="ctr"/>
+            <a:r>
+              <a:rPr lang="en-US" dirty="0"/>
+              <a:t>Sensors</a:t>
+            </a:r>
+            <a:endParaRPr lang="en-CA" dirty="0"/>
+          </a:p>
+        </p:txBody>
+      </p:sp>
+      <p:sp>
+        <p:nvSpPr>
+          <p:cNvPr id="21" name="Rectangle 20">
+            <a:extLst>
+              <a:ext uri="{FF2B5EF4-FFF2-40B4-BE49-F238E27FC236}">
+                <a16:creationId xmlns:a16="http://schemas.microsoft.com/office/drawing/2014/main" id="{8EC44A24-2B95-4887-91EE-B69E093BC503}"/>
+              </a:ext>
+            </a:extLst>
+          </p:cNvPr>
+          <p:cNvSpPr/>
+          <p:nvPr/>
+        </p:nvSpPr>
+        <p:spPr>
+          <a:xfrm>
+            <a:off x="3080552" y="3198180"/>
+            <a:ext cx="1296140" cy="929940"/>
+          </a:xfrm>
+          <a:prstGeom prst="rect">
+            <a:avLst/>
+          </a:prstGeom>
+          <a:noFill/>
+          <a:ln w="9525" cap="flat" cmpd="sng" algn="ctr">
+            <a:solidFill>
+              <a:schemeClr val="accent1"/>
+            </a:solidFill>
+            <a:prstDash val="lgDash"/>
+            <a:round/>
+            <a:headEnd type="none" w="med" len="med"/>
+            <a:tailEnd type="none" w="med" len="med"/>
+          </a:ln>
+        </p:spPr>
+        <p:style>
+          <a:lnRef idx="0">
+            <a:scrgbClr r="0" g="0" b="0"/>
+          </a:lnRef>
+          <a:fillRef idx="0">
+            <a:scrgbClr r="0" g="0" b="0"/>
+          </a:fillRef>
+          <a:effectRef idx="0">
+            <a:scrgbClr r="0" g="0" b="0"/>
+          </a:effectRef>
+          <a:fontRef idx="minor">
+            <a:schemeClr val="accent1"/>
+          </a:fontRef>
+        </p:style>
+        <p:txBody>
+          <a:bodyPr rtlCol="0" anchor="ctr"/>
+          <a:lstStyle/>
+          <a:p>
+            <a:pPr algn="ctr"/>
+            <a:endParaRPr lang="en-CA"/>
+          </a:p>
+        </p:txBody>
+      </p:sp>
+      <p:cxnSp>
+        <p:nvCxnSpPr>
+          <p:cNvPr id="23" name="Straight Arrow Connector 22">
+            <a:extLst>
+              <a:ext uri="{FF2B5EF4-FFF2-40B4-BE49-F238E27FC236}">
+                <a16:creationId xmlns:a16="http://schemas.microsoft.com/office/drawing/2014/main" id="{FB55702D-8BF6-438A-97F3-190478F164DA}"/>
+              </a:ext>
+            </a:extLst>
+          </p:cNvPr>
+          <p:cNvCxnSpPr>
+            <a:stCxn id="12" idx="2"/>
+            <a:endCxn id="20" idx="0"/>
+          </p:cNvCxnSpPr>
+          <p:nvPr/>
+        </p:nvCxnSpPr>
+        <p:spPr>
+          <a:xfrm>
+            <a:off x="4439945" y="4918231"/>
+            <a:ext cx="0" cy="280758"/>
+          </a:xfrm>
+          <a:prstGeom prst="straightConnector1">
+            <a:avLst/>
+          </a:prstGeom>
+          <a:ln>
+            <a:tailEnd type="triangle"/>
+          </a:ln>
+        </p:spPr>
+        <p:style>
+          <a:lnRef idx="1">
+            <a:schemeClr val="accent1"/>
+          </a:lnRef>
+          <a:fillRef idx="0">
+            <a:schemeClr val="accent1"/>
+          </a:fillRef>
+          <a:effectRef idx="0">
+            <a:schemeClr val="accent1"/>
+          </a:effectRef>
+          <a:fontRef idx="minor">
+            <a:schemeClr val="tx1"/>
+          </a:fontRef>
+        </p:style>
+      </p:cxnSp>
+      <p:sp>
+        <p:nvSpPr>
+          <p:cNvPr id="33" name="TextBox 32">
+            <a:extLst>
+              <a:ext uri="{FF2B5EF4-FFF2-40B4-BE49-F238E27FC236}">
+                <a16:creationId xmlns:a16="http://schemas.microsoft.com/office/drawing/2014/main" id="{B3090857-4EE7-46EA-BE02-3E5217628E12}"/>
+              </a:ext>
+            </a:extLst>
+          </p:cNvPr>
+          <p:cNvSpPr txBox="1"/>
+          <p:nvPr/>
+        </p:nvSpPr>
+        <p:spPr>
+          <a:xfrm>
+            <a:off x="4558550" y="3022039"/>
+            <a:ext cx="1308243" cy="369332"/>
+          </a:xfrm>
+          <a:prstGeom prst="rect">
+            <a:avLst/>
+          </a:prstGeom>
+          <a:noFill/>
+        </p:spPr>
+        <p:txBody>
+          <a:bodyPr wrap="none" rtlCol="0">
+            <a:spAutoFit/>
+          </a:bodyPr>
+          <a:lstStyle/>
+          <a:p>
+            <a:r>
+              <a:rPr lang="en-US" dirty="0"/>
+              <a:t>Sensor Data</a:t>
+            </a:r>
+            <a:endParaRPr lang="en-CA" dirty="0"/>
+          </a:p>
+        </p:txBody>
+      </p:sp>
+      <p:cxnSp>
+        <p:nvCxnSpPr>
+          <p:cNvPr id="35" name="Straight Arrow Connector 34">
+            <a:extLst>
+              <a:ext uri="{FF2B5EF4-FFF2-40B4-BE49-F238E27FC236}">
+                <a16:creationId xmlns:a16="http://schemas.microsoft.com/office/drawing/2014/main" id="{91781A35-4A17-45B3-97DE-75B49055C51E}"/>
+              </a:ext>
+            </a:extLst>
+          </p:cNvPr>
+          <p:cNvCxnSpPr>
+            <a:stCxn id="4" idx="3"/>
+            <a:endCxn id="5" idx="1"/>
+          </p:cNvCxnSpPr>
+          <p:nvPr/>
+        </p:nvCxnSpPr>
+        <p:spPr>
+          <a:xfrm>
+            <a:off x="4376692" y="3023954"/>
+            <a:ext cx="1555071" cy="0"/>
+          </a:xfrm>
+          <a:prstGeom prst="straightConnector1">
+            <a:avLst/>
+          </a:prstGeom>
+          <a:ln w="28575">
+            <a:tailEnd type="triangle"/>
+          </a:ln>
+        </p:spPr>
+        <p:style>
+          <a:lnRef idx="1">
+            <a:schemeClr val="accent1"/>
+          </a:lnRef>
+          <a:fillRef idx="0">
+            <a:schemeClr val="accent1"/>
+          </a:fillRef>
+          <a:effectRef idx="0">
+            <a:schemeClr val="accent1"/>
+          </a:effectRef>
+          <a:fontRef idx="minor">
+            <a:schemeClr val="tx1"/>
+          </a:fontRef>
+        </p:style>
+      </p:cxnSp>
+      <p:cxnSp>
+        <p:nvCxnSpPr>
+          <p:cNvPr id="41" name="Straight Arrow Connector 40">
+            <a:extLst>
+              <a:ext uri="{FF2B5EF4-FFF2-40B4-BE49-F238E27FC236}">
+                <a16:creationId xmlns:a16="http://schemas.microsoft.com/office/drawing/2014/main" id="{E2E0A548-8E6F-4D46-A4B9-EF842A88F74E}"/>
+              </a:ext>
+            </a:extLst>
+          </p:cNvPr>
+          <p:cNvCxnSpPr>
+            <a:stCxn id="5" idx="0"/>
+            <a:endCxn id="4" idx="0"/>
+          </p:cNvCxnSpPr>
+          <p:nvPr/>
+        </p:nvCxnSpPr>
+        <p:spPr>
+          <a:xfrm rot="16200000" flipV="1">
+            <a:off x="5154228" y="1310933"/>
+            <a:ext cx="12700" cy="2851211"/>
+          </a:xfrm>
+          <a:prstGeom prst="bentConnector3">
+            <a:avLst>
+              <a:gd name="adj1" fmla="val 1800000"/>
+            </a:avLst>
+          </a:prstGeom>
+          <a:ln w="28575">
+            <a:tailEnd type="triangle"/>
+          </a:ln>
+        </p:spPr>
+        <p:style>
+          <a:lnRef idx="1">
+            <a:schemeClr val="accent1"/>
+          </a:lnRef>
+          <a:fillRef idx="0">
+            <a:schemeClr val="accent1"/>
+          </a:fillRef>
+          <a:effectRef idx="0">
+            <a:schemeClr val="accent1"/>
+          </a:effectRef>
+          <a:fontRef idx="minor">
+            <a:schemeClr val="tx1"/>
+          </a:fontRef>
+        </p:style>
+      </p:cxnSp>
+      <p:sp>
+        <p:nvSpPr>
+          <p:cNvPr id="42" name="TextBox 41">
+            <a:extLst>
+              <a:ext uri="{FF2B5EF4-FFF2-40B4-BE49-F238E27FC236}">
+                <a16:creationId xmlns:a16="http://schemas.microsoft.com/office/drawing/2014/main" id="{21546E02-A956-4EFF-AD98-56518CE8E0B7}"/>
+              </a:ext>
+            </a:extLst>
+          </p:cNvPr>
+          <p:cNvSpPr txBox="1"/>
+          <p:nvPr/>
+        </p:nvSpPr>
+        <p:spPr>
+          <a:xfrm>
+            <a:off x="4532903" y="2090231"/>
+            <a:ext cx="1242648" cy="369332"/>
+          </a:xfrm>
+          <a:prstGeom prst="rect">
+            <a:avLst/>
+          </a:prstGeom>
+          <a:noFill/>
+        </p:spPr>
+        <p:txBody>
+          <a:bodyPr wrap="none" rtlCol="0">
+            <a:spAutoFit/>
+          </a:bodyPr>
+          <a:lstStyle/>
+          <a:p>
+            <a:r>
+              <a:rPr lang="en-US" dirty="0"/>
+              <a:t>Commands</a:t>
+            </a:r>
+            <a:endParaRPr lang="en-CA" dirty="0"/>
+          </a:p>
+        </p:txBody>
+      </p:sp>
+      <p:cxnSp>
+        <p:nvCxnSpPr>
+          <p:cNvPr id="44" name="Straight Connector 43">
+            <a:extLst>
+              <a:ext uri="{FF2B5EF4-FFF2-40B4-BE49-F238E27FC236}">
+                <a16:creationId xmlns:a16="http://schemas.microsoft.com/office/drawing/2014/main" id="{8C3575B4-24A4-498C-AB40-E6C1B90C6D46}"/>
+              </a:ext>
+            </a:extLst>
+          </p:cNvPr>
+          <p:cNvCxnSpPr>
+            <a:stCxn id="5" idx="3"/>
+            <a:endCxn id="7" idx="1"/>
+          </p:cNvCxnSpPr>
+          <p:nvPr/>
+        </p:nvCxnSpPr>
+        <p:spPr>
+          <a:xfrm>
+            <a:off x="7227903" y="3023954"/>
+            <a:ext cx="1306496" cy="6350"/>
+          </a:xfrm>
+          <a:prstGeom prst="line">
+            <a:avLst/>
+          </a:prstGeom>
+          <a:ln w="28575">
+            <a:prstDash val="sysDash"/>
+          </a:ln>
+        </p:spPr>
+        <p:style>
+          <a:lnRef idx="1">
+            <a:schemeClr val="accent1"/>
+          </a:lnRef>
+          <a:fillRef idx="0">
+            <a:schemeClr val="accent1"/>
+          </a:fillRef>
+          <a:effectRef idx="0">
+            <a:schemeClr val="accent1"/>
+          </a:effectRef>
+          <a:fontRef idx="minor">
+            <a:schemeClr val="tx1"/>
+          </a:fontRef>
+        </p:style>
+      </p:cxnSp>
     </p:spTree>
     <p:extLst>
       <p:ext uri="{BB962C8B-B14F-4D97-AF65-F5344CB8AC3E}">
-        <p14:creationId xmlns:p14="http://schemas.microsoft.com/office/powerpoint/2010/main" val="2052713096"/>
+        <p14:creationId xmlns:p14="http://schemas.microsoft.com/office/powerpoint/2010/main" val="1890915840"/>
       </p:ext>
     </p:extLst>
   </p:cSld>
   <p:clrMapOvr>
     <a:masterClrMapping/>
   </p:clrMapOvr>
+  <p:timing>
+    <p:tnLst>
+      <p:par>
+        <p:cTn id="1" dur="indefinite" restart="never" nodeType="tmRoot">
+          <p:childTnLst>
+            <p:seq concurrent="1" nextAc="seek">
+              <p:cTn id="2" dur="indefinite" nodeType="mainSeq">
+                <p:childTnLst>
+                  <p:par>
+                    <p:cTn id="3" fill="hold">
+                      <p:stCondLst>
+                        <p:cond delay="indefinite"/>
+                      </p:stCondLst>
+                      <p:childTnLst>
+                        <p:par>
+                          <p:cTn id="4" fill="hold">
+                            <p:stCondLst>
+                              <p:cond delay="0"/>
+                            </p:stCondLst>
+                            <p:childTnLst>
+                              <p:par>
+                                <p:cTn id="5" presetID="1" presetClass="entr" presetSubtype="0" fill="hold" grpId="0" nodeType="clickEffect">
+                                  <p:stCondLst>
+                                    <p:cond delay="0"/>
+                                  </p:stCondLst>
+                                  <p:childTnLst>
+                                    <p:set>
+                                      <p:cBhvr>
+                                        <p:cTn id="6" dur="1" fill="hold">
+                                          <p:stCondLst>
+                                            <p:cond delay="0"/>
+                                          </p:stCondLst>
+                                        </p:cTn>
+                                        <p:tgtEl>
+                                          <p:spTgt spid="4"/>
+                                        </p:tgtEl>
+                                        <p:attrNameLst>
+                                          <p:attrName>style.visibility</p:attrName>
+                                        </p:attrNameLst>
+                                      </p:cBhvr>
+                                      <p:to>
+                                        <p:strVal val="visible"/>
+                                      </p:to>
+                                    </p:set>
+                                  </p:childTnLst>
+                                </p:cTn>
+                              </p:par>
+                              <p:par>
+                                <p:cTn id="7" presetID="1" presetClass="entr" presetSubtype="0" fill="hold" grpId="0" nodeType="withEffect">
+                                  <p:stCondLst>
+                                    <p:cond delay="0"/>
+                                  </p:stCondLst>
+                                  <p:childTnLst>
+                                    <p:set>
+                                      <p:cBhvr>
+                                        <p:cTn id="8" dur="1" fill="hold">
+                                          <p:stCondLst>
+                                            <p:cond delay="0"/>
+                                          </p:stCondLst>
+                                        </p:cTn>
+                                        <p:tgtEl>
+                                          <p:spTgt spid="11"/>
+                                        </p:tgtEl>
+                                        <p:attrNameLst>
+                                          <p:attrName>style.visibility</p:attrName>
+                                        </p:attrNameLst>
+                                      </p:cBhvr>
+                                      <p:to>
+                                        <p:strVal val="visible"/>
+                                      </p:to>
+                                    </p:set>
+                                  </p:childTnLst>
+                                </p:cTn>
+                              </p:par>
+                              <p:par>
+                                <p:cTn id="9" presetID="1" presetClass="entr" presetSubtype="0" fill="hold" grpId="0" nodeType="withEffect">
+                                  <p:stCondLst>
+                                    <p:cond delay="0"/>
+                                  </p:stCondLst>
+                                  <p:childTnLst>
+                                    <p:set>
+                                      <p:cBhvr>
+                                        <p:cTn id="10" dur="1" fill="hold">
+                                          <p:stCondLst>
+                                            <p:cond delay="0"/>
+                                          </p:stCondLst>
+                                        </p:cTn>
+                                        <p:tgtEl>
+                                          <p:spTgt spid="12"/>
+                                        </p:tgtEl>
+                                        <p:attrNameLst>
+                                          <p:attrName>style.visibility</p:attrName>
+                                        </p:attrNameLst>
+                                      </p:cBhvr>
+                                      <p:to>
+                                        <p:strVal val="visible"/>
+                                      </p:to>
+                                    </p:set>
+                                  </p:childTnLst>
+                                </p:cTn>
+                              </p:par>
+                              <p:par>
+                                <p:cTn id="11" presetID="1" presetClass="entr" presetSubtype="0" fill="hold" grpId="0" nodeType="withEffect">
+                                  <p:stCondLst>
+                                    <p:cond delay="0"/>
+                                  </p:stCondLst>
+                                  <p:childTnLst>
+                                    <p:set>
+                                      <p:cBhvr>
+                                        <p:cTn id="12" dur="1" fill="hold">
+                                          <p:stCondLst>
+                                            <p:cond delay="0"/>
+                                          </p:stCondLst>
+                                        </p:cTn>
+                                        <p:tgtEl>
+                                          <p:spTgt spid="20"/>
+                                        </p:tgtEl>
+                                        <p:attrNameLst>
+                                          <p:attrName>style.visibility</p:attrName>
+                                        </p:attrNameLst>
+                                      </p:cBhvr>
+                                      <p:to>
+                                        <p:strVal val="visible"/>
+                                      </p:to>
+                                    </p:set>
+                                  </p:childTnLst>
+                                </p:cTn>
+                              </p:par>
+                              <p:par>
+                                <p:cTn id="13" presetID="1" presetClass="entr" presetSubtype="0" fill="hold" grpId="0" nodeType="withEffect">
+                                  <p:stCondLst>
+                                    <p:cond delay="0"/>
+                                  </p:stCondLst>
+                                  <p:childTnLst>
+                                    <p:set>
+                                      <p:cBhvr>
+                                        <p:cTn id="14" dur="1" fill="hold">
+                                          <p:stCondLst>
+                                            <p:cond delay="0"/>
+                                          </p:stCondLst>
+                                        </p:cTn>
+                                        <p:tgtEl>
+                                          <p:spTgt spid="13"/>
+                                        </p:tgtEl>
+                                        <p:attrNameLst>
+                                          <p:attrName>style.visibility</p:attrName>
+                                        </p:attrNameLst>
+                                      </p:cBhvr>
+                                      <p:to>
+                                        <p:strVal val="visible"/>
+                                      </p:to>
+                                    </p:set>
+                                  </p:childTnLst>
+                                </p:cTn>
+                              </p:par>
+                              <p:par>
+                                <p:cTn id="15" presetID="1" presetClass="entr" presetSubtype="0" fill="hold" grpId="0" nodeType="withEffect">
+                                  <p:stCondLst>
+                                    <p:cond delay="0"/>
+                                  </p:stCondLst>
+                                  <p:childTnLst>
+                                    <p:set>
+                                      <p:cBhvr>
+                                        <p:cTn id="16" dur="1" fill="hold">
+                                          <p:stCondLst>
+                                            <p:cond delay="0"/>
+                                          </p:stCondLst>
+                                        </p:cTn>
+                                        <p:tgtEl>
+                                          <p:spTgt spid="21"/>
+                                        </p:tgtEl>
+                                        <p:attrNameLst>
+                                          <p:attrName>style.visibility</p:attrName>
+                                        </p:attrNameLst>
+                                      </p:cBhvr>
+                                      <p:to>
+                                        <p:strVal val="visible"/>
+                                      </p:to>
+                                    </p:set>
+                                  </p:childTnLst>
+                                </p:cTn>
+                              </p:par>
+                              <p:par>
+                                <p:cTn id="17" presetID="1" presetClass="entr" presetSubtype="0" fill="hold" nodeType="withEffect">
+                                  <p:stCondLst>
+                                    <p:cond delay="0"/>
+                                  </p:stCondLst>
+                                  <p:childTnLst>
+                                    <p:set>
+                                      <p:cBhvr>
+                                        <p:cTn id="18" dur="1" fill="hold">
+                                          <p:stCondLst>
+                                            <p:cond delay="0"/>
+                                          </p:stCondLst>
+                                        </p:cTn>
+                                        <p:tgtEl>
+                                          <p:spTgt spid="23"/>
+                                        </p:tgtEl>
+                                        <p:attrNameLst>
+                                          <p:attrName>style.visibility</p:attrName>
+                                        </p:attrNameLst>
+                                      </p:cBhvr>
+                                      <p:to>
+                                        <p:strVal val="visible"/>
+                                      </p:to>
+                                    </p:set>
+                                  </p:childTnLst>
+                                </p:cTn>
+                              </p:par>
+                            </p:childTnLst>
+                          </p:cTn>
+                        </p:par>
+                      </p:childTnLst>
+                    </p:cTn>
+                  </p:par>
+                  <p:par>
+                    <p:cTn id="19" fill="hold">
+                      <p:stCondLst>
+                        <p:cond delay="indefinite"/>
+                      </p:stCondLst>
+                      <p:childTnLst>
+                        <p:par>
+                          <p:cTn id="20" fill="hold">
+                            <p:stCondLst>
+                              <p:cond delay="0"/>
+                            </p:stCondLst>
+                            <p:childTnLst>
+                              <p:par>
+                                <p:cTn id="21" presetID="1" presetClass="entr" presetSubtype="0" fill="hold" grpId="0" nodeType="clickEffect">
+                                  <p:stCondLst>
+                                    <p:cond delay="0"/>
+                                  </p:stCondLst>
+                                  <p:childTnLst>
+                                    <p:set>
+                                      <p:cBhvr>
+                                        <p:cTn id="22" dur="1" fill="hold">
+                                          <p:stCondLst>
+                                            <p:cond delay="0"/>
+                                          </p:stCondLst>
+                                        </p:cTn>
+                                        <p:tgtEl>
+                                          <p:spTgt spid="5"/>
+                                        </p:tgtEl>
+                                        <p:attrNameLst>
+                                          <p:attrName>style.visibility</p:attrName>
+                                        </p:attrNameLst>
+                                      </p:cBhvr>
+                                      <p:to>
+                                        <p:strVal val="visible"/>
+                                      </p:to>
+                                    </p:set>
+                                  </p:childTnLst>
+                                </p:cTn>
+                              </p:par>
+                              <p:par>
+                                <p:cTn id="23" presetID="1" presetClass="entr" presetSubtype="0" fill="hold" nodeType="withEffect">
+                                  <p:stCondLst>
+                                    <p:cond delay="0"/>
+                                  </p:stCondLst>
+                                  <p:childTnLst>
+                                    <p:set>
+                                      <p:cBhvr>
+                                        <p:cTn id="24" dur="1" fill="hold">
+                                          <p:stCondLst>
+                                            <p:cond delay="0"/>
+                                          </p:stCondLst>
+                                        </p:cTn>
+                                        <p:tgtEl>
+                                          <p:spTgt spid="41"/>
+                                        </p:tgtEl>
+                                        <p:attrNameLst>
+                                          <p:attrName>style.visibility</p:attrName>
+                                        </p:attrNameLst>
+                                      </p:cBhvr>
+                                      <p:to>
+                                        <p:strVal val="visible"/>
+                                      </p:to>
+                                    </p:set>
+                                  </p:childTnLst>
+                                </p:cTn>
+                              </p:par>
+                              <p:par>
+                                <p:cTn id="25" presetID="1" presetClass="entr" presetSubtype="0" fill="hold" nodeType="withEffect">
+                                  <p:stCondLst>
+                                    <p:cond delay="0"/>
+                                  </p:stCondLst>
+                                  <p:childTnLst>
+                                    <p:set>
+                                      <p:cBhvr>
+                                        <p:cTn id="26" dur="1" fill="hold">
+                                          <p:stCondLst>
+                                            <p:cond delay="0"/>
+                                          </p:stCondLst>
+                                        </p:cTn>
+                                        <p:tgtEl>
+                                          <p:spTgt spid="35"/>
+                                        </p:tgtEl>
+                                        <p:attrNameLst>
+                                          <p:attrName>style.visibility</p:attrName>
+                                        </p:attrNameLst>
+                                      </p:cBhvr>
+                                      <p:to>
+                                        <p:strVal val="visible"/>
+                                      </p:to>
+                                    </p:set>
+                                  </p:childTnLst>
+                                </p:cTn>
+                              </p:par>
+                              <p:par>
+                                <p:cTn id="27" presetID="1" presetClass="entr" presetSubtype="0" fill="hold" grpId="0" nodeType="withEffect">
+                                  <p:stCondLst>
+                                    <p:cond delay="0"/>
+                                  </p:stCondLst>
+                                  <p:childTnLst>
+                                    <p:set>
+                                      <p:cBhvr>
+                                        <p:cTn id="28" dur="1" fill="hold">
+                                          <p:stCondLst>
+                                            <p:cond delay="0"/>
+                                          </p:stCondLst>
+                                        </p:cTn>
+                                        <p:tgtEl>
+                                          <p:spTgt spid="33"/>
+                                        </p:tgtEl>
+                                        <p:attrNameLst>
+                                          <p:attrName>style.visibility</p:attrName>
+                                        </p:attrNameLst>
+                                      </p:cBhvr>
+                                      <p:to>
+                                        <p:strVal val="visible"/>
+                                      </p:to>
+                                    </p:set>
+                                  </p:childTnLst>
+                                </p:cTn>
+                              </p:par>
+                              <p:par>
+                                <p:cTn id="29" presetID="1" presetClass="entr" presetSubtype="0" fill="hold" grpId="0" nodeType="withEffect">
+                                  <p:stCondLst>
+                                    <p:cond delay="0"/>
+                                  </p:stCondLst>
+                                  <p:childTnLst>
+                                    <p:set>
+                                      <p:cBhvr>
+                                        <p:cTn id="30" dur="1" fill="hold">
+                                          <p:stCondLst>
+                                            <p:cond delay="0"/>
+                                          </p:stCondLst>
+                                        </p:cTn>
+                                        <p:tgtEl>
+                                          <p:spTgt spid="42"/>
+                                        </p:tgtEl>
+                                        <p:attrNameLst>
+                                          <p:attrName>style.visibility</p:attrName>
+                                        </p:attrNameLst>
+                                      </p:cBhvr>
+                                      <p:to>
+                                        <p:strVal val="visible"/>
+                                      </p:to>
+                                    </p:set>
+                                  </p:childTnLst>
+                                </p:cTn>
+                              </p:par>
+                            </p:childTnLst>
+                          </p:cTn>
+                        </p:par>
+                      </p:childTnLst>
+                    </p:cTn>
+                  </p:par>
+                  <p:par>
+                    <p:cTn id="31" fill="hold">
+                      <p:stCondLst>
+                        <p:cond delay="indefinite"/>
+                      </p:stCondLst>
+                      <p:childTnLst>
+                        <p:par>
+                          <p:cTn id="32" fill="hold">
+                            <p:stCondLst>
+                              <p:cond delay="0"/>
+                            </p:stCondLst>
+                            <p:childTnLst>
+                              <p:par>
+                                <p:cTn id="33" presetID="1" presetClass="entr" presetSubtype="0" fill="hold" nodeType="clickEffect">
+                                  <p:stCondLst>
+                                    <p:cond delay="0"/>
+                                  </p:stCondLst>
+                                  <p:childTnLst>
+                                    <p:set>
+                                      <p:cBhvr>
+                                        <p:cTn id="34" dur="1" fill="hold">
+                                          <p:stCondLst>
+                                            <p:cond delay="0"/>
+                                          </p:stCondLst>
+                                        </p:cTn>
+                                        <p:tgtEl>
+                                          <p:spTgt spid="44"/>
+                                        </p:tgtEl>
+                                        <p:attrNameLst>
+                                          <p:attrName>style.visibility</p:attrName>
+                                        </p:attrNameLst>
+                                      </p:cBhvr>
+                                      <p:to>
+                                        <p:strVal val="visible"/>
+                                      </p:to>
+                                    </p:set>
+                                  </p:childTnLst>
+                                </p:cTn>
+                              </p:par>
+                              <p:par>
+                                <p:cTn id="35" presetID="1" presetClass="entr" presetSubtype="0" fill="hold" grpId="0" nodeType="withEffect">
+                                  <p:stCondLst>
+                                    <p:cond delay="0"/>
+                                  </p:stCondLst>
+                                  <p:childTnLst>
+                                    <p:set>
+                                      <p:cBhvr>
+                                        <p:cTn id="36" dur="1" fill="hold">
+                                          <p:stCondLst>
+                                            <p:cond delay="0"/>
+                                          </p:stCondLst>
+                                        </p:cTn>
+                                        <p:tgtEl>
+                                          <p:spTgt spid="7"/>
+                                        </p:tgtEl>
+                                        <p:attrNameLst>
+                                          <p:attrName>style.visibility</p:attrName>
+                                        </p:attrNameLst>
+                                      </p:cBhvr>
+                                      <p:to>
+                                        <p:strVal val="visible"/>
+                                      </p:to>
+                                    </p:set>
+                                  </p:childTnLst>
+                                </p:cTn>
+                              </p:par>
+                            </p:childTnLst>
+                          </p:cTn>
+                        </p:par>
+                      </p:childTnLst>
+                    </p:cTn>
+                  </p:par>
+                </p:childTnLst>
+              </p:cTn>
+              <p:prevCondLst>
+                <p:cond evt="onPrev" delay="0">
+                  <p:tgtEl>
+                    <p:sldTgt/>
+                  </p:tgtEl>
+                </p:cond>
+              </p:prevCondLst>
+              <p:nextCondLst>
+                <p:cond evt="onNext" delay="0">
+                  <p:tgtEl>
+                    <p:sldTgt/>
+                  </p:tgtEl>
+                </p:cond>
+              </p:nextCondLst>
+            </p:seq>
+          </p:childTnLst>
+        </p:cTn>
+      </p:par>
+    </p:tnLst>
+    <p:bldLst>
+      <p:bldP spid="4" grpId="0" animBg="1"/>
+      <p:bldP spid="5" grpId="0" animBg="1"/>
+      <p:bldP spid="7" grpId="0" animBg="1"/>
+      <p:bldP spid="11" grpId="0" animBg="1"/>
+      <p:bldP spid="12" grpId="0" animBg="1"/>
+      <p:bldP spid="13" grpId="0" animBg="1"/>
+      <p:bldP spid="20" grpId="0" animBg="1"/>
+      <p:bldP spid="21" grpId="0" animBg="1"/>
+      <p:bldP spid="33" grpId="0"/>
+      <p:bldP spid="42" grpId="0"/>
+    </p:bldLst>
+  </p:timing>
 </p:sld>
 </file>
 
@@ -3527,7 +5178,7 @@
           <p:cNvPr id="2" name="Title 1">
             <a:extLst>
               <a:ext uri="{FF2B5EF4-FFF2-40B4-BE49-F238E27FC236}">
-                <a16:creationId xmlns:a16="http://schemas.microsoft.com/office/drawing/2014/main" id="{EB2D0851-DC72-42E7-97D2-63FB51421EFD}"/>
+                <a16:creationId xmlns:a16="http://schemas.microsoft.com/office/drawing/2014/main" id="{22C507E0-43D7-408B-AEC7-D119D32ADD9B}"/>
               </a:ext>
             </a:extLst>
           </p:cNvPr>
@@ -3538,14 +5189,19 @@
             <p:ph type="title"/>
           </p:nvPr>
         </p:nvSpPr>
-        <p:spPr/>
+        <p:spPr>
+          <a:xfrm>
+            <a:off x="838200" y="365125"/>
+            <a:ext cx="10515600" cy="1325563"/>
+          </a:xfrm>
+        </p:spPr>
         <p:txBody>
           <a:bodyPr/>
           <a:lstStyle/>
           <a:p>
             <a:r>
               <a:rPr lang="en-US" dirty="0"/>
-              <a:t>Critical moments FI</a:t>
+              <a:t>Fault injection</a:t>
             </a:r>
             <a:endParaRPr lang="en-CA" dirty="0"/>
           </a:p>
@@ -3553,39 +5209,723 @@
       </p:sp>
       <p:sp>
         <p:nvSpPr>
-          <p:cNvPr id="3" name="Content Placeholder 2">
-            <a:extLst>
-              <a:ext uri="{FF2B5EF4-FFF2-40B4-BE49-F238E27FC236}">
-                <a16:creationId xmlns:a16="http://schemas.microsoft.com/office/drawing/2014/main" id="{BAD1779E-0457-4A7A-96FD-615FEE1F9860}"/>
-              </a:ext>
-            </a:extLst>
-          </p:cNvPr>
-          <p:cNvSpPr>
-            <a:spLocks noGrp="1"/>
-          </p:cNvSpPr>
-          <p:nvPr>
-            <p:ph idx="1"/>
-          </p:nvPr>
-        </p:nvSpPr>
-        <p:spPr/>
-        <p:txBody>
-          <a:bodyPr/>
-          <a:lstStyle/>
-          <a:p>
+          <p:cNvPr id="6" name="Rectangle: Rounded Corners 5">
+            <a:extLst>
+              <a:ext uri="{FF2B5EF4-FFF2-40B4-BE49-F238E27FC236}">
+                <a16:creationId xmlns:a16="http://schemas.microsoft.com/office/drawing/2014/main" id="{E9A1E125-5D0C-4F69-A5F1-7F6157FF235A}"/>
+              </a:ext>
+            </a:extLst>
+          </p:cNvPr>
+          <p:cNvSpPr/>
+          <p:nvPr/>
+        </p:nvSpPr>
+        <p:spPr>
+          <a:xfrm>
+            <a:off x="2221094" y="2596950"/>
+            <a:ext cx="1810425" cy="574829"/>
+          </a:xfrm>
+          <a:prstGeom prst="roundRect">
+            <a:avLst/>
+          </a:prstGeom>
+          <a:solidFill>
+            <a:srgbClr val="10739D"/>
+          </a:solidFill>
+        </p:spPr>
+        <p:style>
+          <a:lnRef idx="2">
+            <a:schemeClr val="accent5">
+              <a:shade val="50000"/>
+            </a:schemeClr>
+          </a:lnRef>
+          <a:fillRef idx="1">
+            <a:schemeClr val="accent5"/>
+          </a:fillRef>
+          <a:effectRef idx="0">
+            <a:schemeClr val="accent5"/>
+          </a:effectRef>
+          <a:fontRef idx="minor">
+            <a:schemeClr val="lt1"/>
+          </a:fontRef>
+        </p:style>
+        <p:txBody>
+          <a:bodyPr rtlCol="0" anchor="ctr"/>
+          <a:lstStyle/>
+          <a:p>
+            <a:pPr algn="ctr"/>
+            <a:r>
+              <a:rPr lang="en-US" dirty="0"/>
+              <a:t>Golden Run</a:t>
+            </a:r>
+            <a:endParaRPr lang="en-CA" dirty="0"/>
+          </a:p>
+        </p:txBody>
+      </p:sp>
+      <p:pic>
+        <p:nvPicPr>
+          <p:cNvPr id="2050" name="Picture 2" descr="https://raw.githubusercontent.com/grep-aarkash/Error-resilience-of-Autonomous-Vehicles/master/docs/Proposal/FI_method.jpg">
+            <a:extLst>
+              <a:ext uri="{FF2B5EF4-FFF2-40B4-BE49-F238E27FC236}">
+                <a16:creationId xmlns:a16="http://schemas.microsoft.com/office/drawing/2014/main" id="{C6DCEF99-A5F5-45AC-A9B1-01FE2F037D80}"/>
+              </a:ext>
+            </a:extLst>
+          </p:cNvPr>
+          <p:cNvPicPr>
+            <a:picLocks noChangeAspect="1" noChangeArrowheads="1"/>
+          </p:cNvPicPr>
+          <p:nvPr/>
+        </p:nvPicPr>
+        <p:blipFill>
+          <a:blip r:embed="rId3">
+            <a:extLst>
+              <a:ext uri="{28A0092B-C50C-407E-A947-70E740481C1C}">
+                <a14:useLocalDpi xmlns:a14="http://schemas.microsoft.com/office/drawing/2010/main" val="0"/>
+              </a:ext>
+            </a:extLst>
+          </a:blip>
+          <a:srcRect/>
+          <a:stretch>
+            <a:fillRect/>
+          </a:stretch>
+        </p:blipFill>
+        <p:spPr bwMode="auto">
+          <a:xfrm>
+            <a:off x="6181063" y="1437547"/>
+            <a:ext cx="3989314" cy="4004172"/>
+          </a:xfrm>
+          <a:prstGeom prst="rect">
+            <a:avLst/>
+          </a:prstGeom>
+          <a:noFill/>
+          <a:extLst>
+            <a:ext uri="{909E8E84-426E-40DD-AFC4-6F175D3DCCD1}">
+              <a14:hiddenFill xmlns:a14="http://schemas.microsoft.com/office/drawing/2010/main">
+                <a:solidFill>
+                  <a:srgbClr val="FFFFFF"/>
+                </a:solidFill>
+              </a14:hiddenFill>
+            </a:ext>
+          </a:extLst>
+        </p:spPr>
+      </p:pic>
+      <p:sp>
+        <p:nvSpPr>
+          <p:cNvPr id="9" name="Rectangle: Rounded Corners 8">
+            <a:extLst>
+              <a:ext uri="{FF2B5EF4-FFF2-40B4-BE49-F238E27FC236}">
+                <a16:creationId xmlns:a16="http://schemas.microsoft.com/office/drawing/2014/main" id="{B2AA5935-B94B-4130-B413-7EE14C58F4FB}"/>
+              </a:ext>
+            </a:extLst>
+          </p:cNvPr>
+          <p:cNvSpPr/>
+          <p:nvPr/>
+        </p:nvSpPr>
+        <p:spPr>
+          <a:xfrm>
+            <a:off x="2015037" y="2427164"/>
+            <a:ext cx="2222538" cy="914400"/>
+          </a:xfrm>
+          <a:prstGeom prst="roundRect">
+            <a:avLst/>
+          </a:prstGeom>
+          <a:noFill/>
+          <a:ln w="28575" cap="flat" cmpd="sng" algn="ctr">
+            <a:solidFill>
+              <a:srgbClr val="FF0000"/>
+            </a:solidFill>
+            <a:prstDash val="solid"/>
+            <a:round/>
+            <a:headEnd type="none" w="med" len="med"/>
+            <a:tailEnd type="none" w="med" len="med"/>
+          </a:ln>
+        </p:spPr>
+        <p:style>
+          <a:lnRef idx="0">
+            <a:scrgbClr r="0" g="0" b="0"/>
+          </a:lnRef>
+          <a:fillRef idx="0">
+            <a:scrgbClr r="0" g="0" b="0"/>
+          </a:fillRef>
+          <a:effectRef idx="0">
+            <a:scrgbClr r="0" g="0" b="0"/>
+          </a:effectRef>
+          <a:fontRef idx="minor">
+            <a:schemeClr val="accent2"/>
+          </a:fontRef>
+        </p:style>
+        <p:txBody>
+          <a:bodyPr rtlCol="0" anchor="ctr"/>
+          <a:lstStyle/>
+          <a:p>
+            <a:pPr algn="ctr"/>
             <a:endParaRPr lang="en-CA"/>
           </a:p>
         </p:txBody>
       </p:sp>
+      <p:sp>
+        <p:nvSpPr>
+          <p:cNvPr id="11" name="Rectangle: Rounded Corners 10">
+            <a:extLst>
+              <a:ext uri="{FF2B5EF4-FFF2-40B4-BE49-F238E27FC236}">
+                <a16:creationId xmlns:a16="http://schemas.microsoft.com/office/drawing/2014/main" id="{FDB92908-AAF2-4031-9EFE-6C8B59BDC546}"/>
+              </a:ext>
+            </a:extLst>
+          </p:cNvPr>
+          <p:cNvSpPr/>
+          <p:nvPr/>
+        </p:nvSpPr>
+        <p:spPr>
+          <a:xfrm>
+            <a:off x="8717096" y="3876735"/>
+            <a:ext cx="1538345" cy="914400"/>
+          </a:xfrm>
+          <a:prstGeom prst="roundRect">
+            <a:avLst/>
+          </a:prstGeom>
+          <a:noFill/>
+          <a:ln w="28575" cap="flat" cmpd="sng" algn="ctr">
+            <a:solidFill>
+              <a:srgbClr val="FF0000"/>
+            </a:solidFill>
+            <a:prstDash val="solid"/>
+            <a:round/>
+            <a:headEnd type="none" w="med" len="med"/>
+            <a:tailEnd type="none" w="med" len="med"/>
+          </a:ln>
+        </p:spPr>
+        <p:style>
+          <a:lnRef idx="0">
+            <a:scrgbClr r="0" g="0" b="0"/>
+          </a:lnRef>
+          <a:fillRef idx="0">
+            <a:scrgbClr r="0" g="0" b="0"/>
+          </a:fillRef>
+          <a:effectRef idx="0">
+            <a:scrgbClr r="0" g="0" b="0"/>
+          </a:effectRef>
+          <a:fontRef idx="minor">
+            <a:schemeClr val="accent2"/>
+          </a:fontRef>
+        </p:style>
+        <p:txBody>
+          <a:bodyPr rtlCol="0" anchor="ctr"/>
+          <a:lstStyle/>
+          <a:p>
+            <a:pPr algn="ctr"/>
+            <a:endParaRPr lang="en-CA"/>
+          </a:p>
+        </p:txBody>
+      </p:sp>
+      <p:sp>
+        <p:nvSpPr>
+          <p:cNvPr id="10" name="Arrow: Right 9">
+            <a:extLst>
+              <a:ext uri="{FF2B5EF4-FFF2-40B4-BE49-F238E27FC236}">
+                <a16:creationId xmlns:a16="http://schemas.microsoft.com/office/drawing/2014/main" id="{6ECA8B93-12E3-41F3-B489-90FB2677D516}"/>
+              </a:ext>
+            </a:extLst>
+          </p:cNvPr>
+          <p:cNvSpPr/>
+          <p:nvPr/>
+        </p:nvSpPr>
+        <p:spPr>
+          <a:xfrm>
+            <a:off x="4443631" y="2740656"/>
+            <a:ext cx="1413637" cy="287415"/>
+          </a:xfrm>
+          <a:prstGeom prst="rightArrow">
+            <a:avLst/>
+          </a:prstGeom>
+          <a:solidFill>
+            <a:srgbClr val="E3C800"/>
+          </a:solidFill>
+        </p:spPr>
+        <p:style>
+          <a:lnRef idx="2">
+            <a:schemeClr val="accent4">
+              <a:shade val="50000"/>
+            </a:schemeClr>
+          </a:lnRef>
+          <a:fillRef idx="1">
+            <a:schemeClr val="accent4"/>
+          </a:fillRef>
+          <a:effectRef idx="0">
+            <a:schemeClr val="accent4"/>
+          </a:effectRef>
+          <a:fontRef idx="minor">
+            <a:schemeClr val="lt1"/>
+          </a:fontRef>
+        </p:style>
+        <p:txBody>
+          <a:bodyPr rtlCol="0" anchor="ctr"/>
+          <a:lstStyle/>
+          <a:p>
+            <a:pPr algn="ctr"/>
+            <a:endParaRPr lang="en-CA"/>
+          </a:p>
+        </p:txBody>
+      </p:sp>
+      <p:sp>
+        <p:nvSpPr>
+          <p:cNvPr id="13" name="Rectangle 12">
+            <a:extLst>
+              <a:ext uri="{FF2B5EF4-FFF2-40B4-BE49-F238E27FC236}">
+                <a16:creationId xmlns:a16="http://schemas.microsoft.com/office/drawing/2014/main" id="{3661F4BB-FE11-42B5-8B90-AAB11ED32465}"/>
+              </a:ext>
+            </a:extLst>
+          </p:cNvPr>
+          <p:cNvSpPr/>
+          <p:nvPr/>
+        </p:nvSpPr>
+        <p:spPr>
+          <a:xfrm>
+            <a:off x="1369828" y="5603357"/>
+            <a:ext cx="3605431" cy="727919"/>
+          </a:xfrm>
+          <a:prstGeom prst="rect">
+            <a:avLst/>
+          </a:prstGeom>
+          <a:solidFill>
+            <a:srgbClr val="10739D"/>
+          </a:solidFill>
+        </p:spPr>
+        <p:style>
+          <a:lnRef idx="2">
+            <a:schemeClr val="accent1">
+              <a:shade val="50000"/>
+            </a:schemeClr>
+          </a:lnRef>
+          <a:fillRef idx="1">
+            <a:schemeClr val="accent1"/>
+          </a:fillRef>
+          <a:effectRef idx="0">
+            <a:schemeClr val="accent1"/>
+          </a:effectRef>
+          <a:fontRef idx="minor">
+            <a:schemeClr val="lt1"/>
+          </a:fontRef>
+        </p:style>
+        <p:txBody>
+          <a:bodyPr rtlCol="0" anchor="ctr"/>
+          <a:lstStyle/>
+          <a:p>
+            <a:pPr algn="ctr"/>
+            <a:r>
+              <a:rPr lang="en-US" dirty="0"/>
+              <a:t>Compare results to get matrices</a:t>
+            </a:r>
+            <a:endParaRPr lang="en-CA" dirty="0"/>
+          </a:p>
+        </p:txBody>
+      </p:sp>
+      <p:cxnSp>
+        <p:nvCxnSpPr>
+          <p:cNvPr id="15" name="Straight Arrow Connector 14">
+            <a:extLst>
+              <a:ext uri="{FF2B5EF4-FFF2-40B4-BE49-F238E27FC236}">
+                <a16:creationId xmlns:a16="http://schemas.microsoft.com/office/drawing/2014/main" id="{D8833FBF-CD17-4E30-B499-ED9038513BE1}"/>
+              </a:ext>
+            </a:extLst>
+          </p:cNvPr>
+          <p:cNvCxnSpPr>
+            <a:cxnSpLocks/>
+            <a:stCxn id="9" idx="2"/>
+            <a:endCxn id="13" idx="0"/>
+          </p:cNvCxnSpPr>
+          <p:nvPr/>
+        </p:nvCxnSpPr>
+        <p:spPr>
+          <a:xfrm>
+            <a:off x="3126306" y="3341564"/>
+            <a:ext cx="46238" cy="2261793"/>
+          </a:xfrm>
+          <a:prstGeom prst="straightConnector1">
+            <a:avLst/>
+          </a:prstGeom>
+          <a:ln w="28575">
+            <a:solidFill>
+              <a:srgbClr val="FF0000"/>
+            </a:solidFill>
+            <a:tailEnd type="triangle"/>
+          </a:ln>
+        </p:spPr>
+        <p:style>
+          <a:lnRef idx="1">
+            <a:schemeClr val="accent1"/>
+          </a:lnRef>
+          <a:fillRef idx="0">
+            <a:schemeClr val="accent1"/>
+          </a:fillRef>
+          <a:effectRef idx="0">
+            <a:schemeClr val="accent1"/>
+          </a:effectRef>
+          <a:fontRef idx="minor">
+            <a:schemeClr val="tx1"/>
+          </a:fontRef>
+        </p:style>
+      </p:cxnSp>
+      <p:cxnSp>
+        <p:nvCxnSpPr>
+          <p:cNvPr id="17" name="Straight Arrow Connector 16">
+            <a:extLst>
+              <a:ext uri="{FF2B5EF4-FFF2-40B4-BE49-F238E27FC236}">
+                <a16:creationId xmlns:a16="http://schemas.microsoft.com/office/drawing/2014/main" id="{D9C9D9E7-3F40-4D65-9BC6-2CD56D2A6F80}"/>
+              </a:ext>
+            </a:extLst>
+          </p:cNvPr>
+          <p:cNvCxnSpPr>
+            <a:cxnSpLocks/>
+            <a:stCxn id="11" idx="2"/>
+            <a:endCxn id="13" idx="3"/>
+          </p:cNvCxnSpPr>
+          <p:nvPr/>
+        </p:nvCxnSpPr>
+        <p:spPr>
+          <a:xfrm rot="5400000">
+            <a:off x="6642673" y="3123721"/>
+            <a:ext cx="1176182" cy="4511010"/>
+          </a:xfrm>
+          <a:prstGeom prst="bentConnector2">
+            <a:avLst/>
+          </a:prstGeom>
+          <a:ln w="28575">
+            <a:solidFill>
+              <a:srgbClr val="FF0000"/>
+            </a:solidFill>
+            <a:tailEnd type="triangle"/>
+          </a:ln>
+        </p:spPr>
+        <p:style>
+          <a:lnRef idx="1">
+            <a:schemeClr val="accent1"/>
+          </a:lnRef>
+          <a:fillRef idx="0">
+            <a:schemeClr val="accent1"/>
+          </a:fillRef>
+          <a:effectRef idx="0">
+            <a:schemeClr val="accent1"/>
+          </a:effectRef>
+          <a:fontRef idx="minor">
+            <a:schemeClr val="tx1"/>
+          </a:fontRef>
+        </p:style>
+      </p:cxnSp>
     </p:spTree>
     <p:extLst>
       <p:ext uri="{BB962C8B-B14F-4D97-AF65-F5344CB8AC3E}">
-        <p14:creationId xmlns:p14="http://schemas.microsoft.com/office/powerpoint/2010/main" val="2705304640"/>
+        <p14:creationId xmlns:p14="http://schemas.microsoft.com/office/powerpoint/2010/main" val="128212014"/>
       </p:ext>
     </p:extLst>
   </p:cSld>
   <p:clrMapOvr>
     <a:masterClrMapping/>
   </p:clrMapOvr>
+  <p:timing>
+    <p:tnLst>
+      <p:par>
+        <p:cTn id="1" dur="indefinite" restart="never" nodeType="tmRoot">
+          <p:childTnLst>
+            <p:seq concurrent="1" nextAc="seek">
+              <p:cTn id="2" dur="indefinite" nodeType="mainSeq">
+                <p:childTnLst>
+                  <p:par>
+                    <p:cTn id="3" fill="hold">
+                      <p:stCondLst>
+                        <p:cond delay="indefinite"/>
+                      </p:stCondLst>
+                      <p:childTnLst>
+                        <p:par>
+                          <p:cTn id="4" fill="hold">
+                            <p:stCondLst>
+                              <p:cond delay="0"/>
+                            </p:stCondLst>
+                            <p:childTnLst>
+                              <p:par>
+                                <p:cTn id="5" presetID="1" presetClass="entr" presetSubtype="0" fill="hold" grpId="0" nodeType="clickEffect">
+                                  <p:stCondLst>
+                                    <p:cond delay="0"/>
+                                  </p:stCondLst>
+                                  <p:childTnLst>
+                                    <p:set>
+                                      <p:cBhvr>
+                                        <p:cTn id="6" dur="1" fill="hold">
+                                          <p:stCondLst>
+                                            <p:cond delay="0"/>
+                                          </p:stCondLst>
+                                        </p:cTn>
+                                        <p:tgtEl>
+                                          <p:spTgt spid="6"/>
+                                        </p:tgtEl>
+                                        <p:attrNameLst>
+                                          <p:attrName>style.visibility</p:attrName>
+                                        </p:attrNameLst>
+                                      </p:cBhvr>
+                                      <p:to>
+                                        <p:strVal val="visible"/>
+                                      </p:to>
+                                    </p:set>
+                                  </p:childTnLst>
+                                </p:cTn>
+                              </p:par>
+                            </p:childTnLst>
+                          </p:cTn>
+                        </p:par>
+                      </p:childTnLst>
+                    </p:cTn>
+                  </p:par>
+                  <p:par>
+                    <p:cTn id="7" fill="hold">
+                      <p:stCondLst>
+                        <p:cond delay="indefinite"/>
+                      </p:stCondLst>
+                      <p:childTnLst>
+                        <p:par>
+                          <p:cTn id="8" fill="hold">
+                            <p:stCondLst>
+                              <p:cond delay="0"/>
+                            </p:stCondLst>
+                            <p:childTnLst>
+                              <p:par>
+                                <p:cTn id="9" presetID="1" presetClass="entr" presetSubtype="0" fill="hold" grpId="0" nodeType="clickEffect">
+                                  <p:stCondLst>
+                                    <p:cond delay="0"/>
+                                  </p:stCondLst>
+                                  <p:childTnLst>
+                                    <p:set>
+                                      <p:cBhvr>
+                                        <p:cTn id="10" dur="1" fill="hold">
+                                          <p:stCondLst>
+                                            <p:cond delay="0"/>
+                                          </p:stCondLst>
+                                        </p:cTn>
+                                        <p:tgtEl>
+                                          <p:spTgt spid="10"/>
+                                        </p:tgtEl>
+                                        <p:attrNameLst>
+                                          <p:attrName>style.visibility</p:attrName>
+                                        </p:attrNameLst>
+                                      </p:cBhvr>
+                                      <p:to>
+                                        <p:strVal val="visible"/>
+                                      </p:to>
+                                    </p:set>
+                                  </p:childTnLst>
+                                </p:cTn>
+                              </p:par>
+                              <p:par>
+                                <p:cTn id="11" presetID="1" presetClass="entr" presetSubtype="0" fill="hold" nodeType="withEffect">
+                                  <p:stCondLst>
+                                    <p:cond delay="0"/>
+                                  </p:stCondLst>
+                                  <p:childTnLst>
+                                    <p:set>
+                                      <p:cBhvr>
+                                        <p:cTn id="12" dur="1" fill="hold">
+                                          <p:stCondLst>
+                                            <p:cond delay="0"/>
+                                          </p:stCondLst>
+                                        </p:cTn>
+                                        <p:tgtEl>
+                                          <p:spTgt spid="2050"/>
+                                        </p:tgtEl>
+                                        <p:attrNameLst>
+                                          <p:attrName>style.visibility</p:attrName>
+                                        </p:attrNameLst>
+                                      </p:cBhvr>
+                                      <p:to>
+                                        <p:strVal val="visible"/>
+                                      </p:to>
+                                    </p:set>
+                                  </p:childTnLst>
+                                </p:cTn>
+                              </p:par>
+                            </p:childTnLst>
+                          </p:cTn>
+                        </p:par>
+                      </p:childTnLst>
+                    </p:cTn>
+                  </p:par>
+                  <p:par>
+                    <p:cTn id="13" fill="hold">
+                      <p:stCondLst>
+                        <p:cond delay="indefinite"/>
+                      </p:stCondLst>
+                      <p:childTnLst>
+                        <p:par>
+                          <p:cTn id="14" fill="hold">
+                            <p:stCondLst>
+                              <p:cond delay="0"/>
+                            </p:stCondLst>
+                            <p:childTnLst>
+                              <p:par>
+                                <p:cTn id="15" presetID="1" presetClass="entr" presetSubtype="0" fill="hold" grpId="0" nodeType="clickEffect">
+                                  <p:stCondLst>
+                                    <p:cond delay="0"/>
+                                  </p:stCondLst>
+                                  <p:childTnLst>
+                                    <p:set>
+                                      <p:cBhvr>
+                                        <p:cTn id="16" dur="1" fill="hold">
+                                          <p:stCondLst>
+                                            <p:cond delay="0"/>
+                                          </p:stCondLst>
+                                        </p:cTn>
+                                        <p:tgtEl>
+                                          <p:spTgt spid="9"/>
+                                        </p:tgtEl>
+                                        <p:attrNameLst>
+                                          <p:attrName>style.visibility</p:attrName>
+                                        </p:attrNameLst>
+                                      </p:cBhvr>
+                                      <p:to>
+                                        <p:strVal val="visible"/>
+                                      </p:to>
+                                    </p:set>
+                                  </p:childTnLst>
+                                </p:cTn>
+                              </p:par>
+                              <p:par>
+                                <p:cTn id="17" presetID="1" presetClass="entr" presetSubtype="0" fill="hold" nodeType="withEffect">
+                                  <p:stCondLst>
+                                    <p:cond delay="0"/>
+                                  </p:stCondLst>
+                                  <p:childTnLst>
+                                    <p:set>
+                                      <p:cBhvr>
+                                        <p:cTn id="18" dur="1" fill="hold">
+                                          <p:stCondLst>
+                                            <p:cond delay="0"/>
+                                          </p:stCondLst>
+                                        </p:cTn>
+                                        <p:tgtEl>
+                                          <p:spTgt spid="15"/>
+                                        </p:tgtEl>
+                                        <p:attrNameLst>
+                                          <p:attrName>style.visibility</p:attrName>
+                                        </p:attrNameLst>
+                                      </p:cBhvr>
+                                      <p:to>
+                                        <p:strVal val="visible"/>
+                                      </p:to>
+                                    </p:set>
+                                  </p:childTnLst>
+                                </p:cTn>
+                              </p:par>
+                              <p:par>
+                                <p:cTn id="19" presetID="1" presetClass="entr" presetSubtype="0" fill="hold" nodeType="withEffect">
+                                  <p:stCondLst>
+                                    <p:cond delay="0"/>
+                                  </p:stCondLst>
+                                  <p:childTnLst>
+                                    <p:set>
+                                      <p:cBhvr>
+                                        <p:cTn id="20" dur="1" fill="hold">
+                                          <p:stCondLst>
+                                            <p:cond delay="0"/>
+                                          </p:stCondLst>
+                                        </p:cTn>
+                                        <p:tgtEl>
+                                          <p:spTgt spid="17"/>
+                                        </p:tgtEl>
+                                        <p:attrNameLst>
+                                          <p:attrName>style.visibility</p:attrName>
+                                        </p:attrNameLst>
+                                      </p:cBhvr>
+                                      <p:to>
+                                        <p:strVal val="visible"/>
+                                      </p:to>
+                                    </p:set>
+                                  </p:childTnLst>
+                                </p:cTn>
+                              </p:par>
+                              <p:par>
+                                <p:cTn id="21" presetID="1" presetClass="entr" presetSubtype="0" fill="hold" grpId="0" nodeType="withEffect">
+                                  <p:stCondLst>
+                                    <p:cond delay="0"/>
+                                  </p:stCondLst>
+                                  <p:childTnLst>
+                                    <p:set>
+                                      <p:cBhvr>
+                                        <p:cTn id="22" dur="1" fill="hold">
+                                          <p:stCondLst>
+                                            <p:cond delay="0"/>
+                                          </p:stCondLst>
+                                        </p:cTn>
+                                        <p:tgtEl>
+                                          <p:spTgt spid="11"/>
+                                        </p:tgtEl>
+                                        <p:attrNameLst>
+                                          <p:attrName>style.visibility</p:attrName>
+                                        </p:attrNameLst>
+                                      </p:cBhvr>
+                                      <p:to>
+                                        <p:strVal val="visible"/>
+                                      </p:to>
+                                    </p:set>
+                                  </p:childTnLst>
+                                </p:cTn>
+                              </p:par>
+                              <p:par>
+                                <p:cTn id="23" presetID="1" presetClass="entr" presetSubtype="0" fill="hold" grpId="0" nodeType="withEffect">
+                                  <p:stCondLst>
+                                    <p:cond delay="0"/>
+                                  </p:stCondLst>
+                                  <p:childTnLst>
+                                    <p:set>
+                                      <p:cBhvr>
+                                        <p:cTn id="24" dur="1" fill="hold">
+                                          <p:stCondLst>
+                                            <p:cond delay="0"/>
+                                          </p:stCondLst>
+                                        </p:cTn>
+                                        <p:tgtEl>
+                                          <p:spTgt spid="13"/>
+                                        </p:tgtEl>
+                                        <p:attrNameLst>
+                                          <p:attrName>style.visibility</p:attrName>
+                                        </p:attrNameLst>
+                                      </p:cBhvr>
+                                      <p:to>
+                                        <p:strVal val="visible"/>
+                                      </p:to>
+                                    </p:set>
+                                  </p:childTnLst>
+                                </p:cTn>
+                              </p:par>
+                            </p:childTnLst>
+                          </p:cTn>
+                        </p:par>
+                      </p:childTnLst>
+                    </p:cTn>
+                  </p:par>
+                </p:childTnLst>
+              </p:cTn>
+              <p:prevCondLst>
+                <p:cond evt="onPrev" delay="0">
+                  <p:tgtEl>
+                    <p:sldTgt/>
+                  </p:tgtEl>
+                </p:cond>
+              </p:prevCondLst>
+              <p:nextCondLst>
+                <p:cond evt="onNext" delay="0">
+                  <p:tgtEl>
+                    <p:sldTgt/>
+                  </p:tgtEl>
+                </p:cond>
+              </p:nextCondLst>
+            </p:seq>
+          </p:childTnLst>
+        </p:cTn>
+      </p:par>
+    </p:tnLst>
+    <p:bldLst>
+      <p:bldP spid="6" grpId="0" animBg="1"/>
+      <p:bldP spid="9" grpId="0" animBg="1"/>
+      <p:bldP spid="11" grpId="0" animBg="1"/>
+      <p:bldP spid="10" grpId="0" animBg="1"/>
+      <p:bldP spid="13" grpId="0" animBg="1"/>
+    </p:bldLst>
+  </p:timing>
 </p:sld>
 </file>
 
@@ -3611,6 +5951,975 @@
           <p:cNvPr id="2" name="Title 1">
             <a:extLst>
               <a:ext uri="{FF2B5EF4-FFF2-40B4-BE49-F238E27FC236}">
+                <a16:creationId xmlns:a16="http://schemas.microsoft.com/office/drawing/2014/main" id="{88E28CDD-4AA7-47F8-B915-7232D51B7840}"/>
+              </a:ext>
+            </a:extLst>
+          </p:cNvPr>
+          <p:cNvSpPr>
+            <a:spLocks noGrp="1"/>
+          </p:cNvSpPr>
+          <p:nvPr>
+            <p:ph type="title"/>
+          </p:nvPr>
+        </p:nvSpPr>
+        <p:spPr/>
+        <p:txBody>
+          <a:bodyPr/>
+          <a:lstStyle/>
+          <a:p>
+            <a:r>
+              <a:rPr lang="en-US" dirty="0"/>
+              <a:t>Fault model – Metrics</a:t>
+            </a:r>
+            <a:endParaRPr lang="en-CA" dirty="0"/>
+          </a:p>
+        </p:txBody>
+      </p:sp>
+      <p:sp>
+        <p:nvSpPr>
+          <p:cNvPr id="3" name="Content Placeholder 2">
+            <a:extLst>
+              <a:ext uri="{FF2B5EF4-FFF2-40B4-BE49-F238E27FC236}">
+                <a16:creationId xmlns:a16="http://schemas.microsoft.com/office/drawing/2014/main" id="{66EEC0F0-0C45-4C8A-8862-D3EF59ECAD0E}"/>
+              </a:ext>
+            </a:extLst>
+          </p:cNvPr>
+          <p:cNvSpPr>
+            <a:spLocks noGrp="1"/>
+          </p:cNvSpPr>
+          <p:nvPr>
+            <p:ph idx="1"/>
+          </p:nvPr>
+        </p:nvSpPr>
+        <p:spPr/>
+        <p:txBody>
+          <a:bodyPr/>
+          <a:lstStyle/>
+          <a:p>
+            <a:r>
+              <a:rPr lang="en-US" dirty="0"/>
+              <a:t>Goals achieved percentage</a:t>
+            </a:r>
+          </a:p>
+          <a:p>
+            <a:endParaRPr lang="en-US" dirty="0"/>
+          </a:p>
+          <a:p>
+            <a:r>
+              <a:rPr lang="en-US" dirty="0"/>
+              <a:t>Goals achieved without traffic violations </a:t>
+            </a:r>
+          </a:p>
+          <a:p>
+            <a:endParaRPr lang="en-US" dirty="0"/>
+          </a:p>
+          <a:p>
+            <a:endParaRPr lang="en-US" dirty="0"/>
+          </a:p>
+          <a:p>
+            <a:endParaRPr lang="en-CA" dirty="0"/>
+          </a:p>
+        </p:txBody>
+      </p:sp>
+    </p:spTree>
+    <p:extLst>
+      <p:ext uri="{BB962C8B-B14F-4D97-AF65-F5344CB8AC3E}">
+        <p14:creationId xmlns:p14="http://schemas.microsoft.com/office/powerpoint/2010/main" val="1656222252"/>
+      </p:ext>
+    </p:extLst>
+  </p:cSld>
+  <p:clrMapOvr>
+    <a:masterClrMapping/>
+  </p:clrMapOvr>
+</p:sld>
+</file>
+
+<file path=ppt/slides/slide13.xml><?xml version="1.0" encoding="utf-8"?>
+<p:sld xmlns:a="http://schemas.openxmlformats.org/drawingml/2006/main" xmlns:r="http://schemas.openxmlformats.org/officeDocument/2006/relationships" xmlns:p="http://schemas.openxmlformats.org/presentationml/2006/main">
+  <p:cSld>
+    <p:spTree>
+      <p:nvGrpSpPr>
+        <p:cNvPr id="1" name=""/>
+        <p:cNvGrpSpPr/>
+        <p:nvPr/>
+      </p:nvGrpSpPr>
+      <p:grpSpPr>
+        <a:xfrm>
+          <a:off x="0" y="0"/>
+          <a:ext cx="0" cy="0"/>
+          <a:chOff x="0" y="0"/>
+          <a:chExt cx="0" cy="0"/>
+        </a:xfrm>
+      </p:grpSpPr>
+      <p:sp>
+        <p:nvSpPr>
+          <p:cNvPr id="2" name="Title 1">
+            <a:extLst>
+              <a:ext uri="{FF2B5EF4-FFF2-40B4-BE49-F238E27FC236}">
+                <a16:creationId xmlns:a16="http://schemas.microsoft.com/office/drawing/2014/main" id="{4D838314-ED4D-4A8B-A8D7-A8A7C656C3FC}"/>
+              </a:ext>
+            </a:extLst>
+          </p:cNvPr>
+          <p:cNvSpPr>
+            <a:spLocks noGrp="1"/>
+          </p:cNvSpPr>
+          <p:nvPr>
+            <p:ph type="title"/>
+          </p:nvPr>
+        </p:nvSpPr>
+        <p:spPr/>
+        <p:txBody>
+          <a:bodyPr/>
+          <a:lstStyle/>
+          <a:p>
+            <a:r>
+              <a:rPr lang="en-US" dirty="0"/>
+              <a:t>Results</a:t>
+            </a:r>
+            <a:endParaRPr lang="en-CA" dirty="0"/>
+          </a:p>
+        </p:txBody>
+      </p:sp>
+      <p:sp>
+        <p:nvSpPr>
+          <p:cNvPr id="3" name="Content Placeholder 2">
+            <a:extLst>
+              <a:ext uri="{FF2B5EF4-FFF2-40B4-BE49-F238E27FC236}">
+                <a16:creationId xmlns:a16="http://schemas.microsoft.com/office/drawing/2014/main" id="{415F2AA8-2085-4334-8447-F30C0C8DA54A}"/>
+              </a:ext>
+            </a:extLst>
+          </p:cNvPr>
+          <p:cNvSpPr>
+            <a:spLocks noGrp="1"/>
+          </p:cNvSpPr>
+          <p:nvPr>
+            <p:ph idx="1"/>
+          </p:nvPr>
+        </p:nvSpPr>
+        <p:spPr/>
+        <p:txBody>
+          <a:bodyPr/>
+          <a:lstStyle/>
+          <a:p>
+            <a:r>
+              <a:rPr lang="en-US" dirty="0"/>
+              <a:t> </a:t>
+            </a:r>
+            <a:endParaRPr lang="en-CA" dirty="0"/>
+          </a:p>
+        </p:txBody>
+      </p:sp>
+    </p:spTree>
+    <p:extLst>
+      <p:ext uri="{BB962C8B-B14F-4D97-AF65-F5344CB8AC3E}">
+        <p14:creationId xmlns:p14="http://schemas.microsoft.com/office/powerpoint/2010/main" val="2052713096"/>
+      </p:ext>
+    </p:extLst>
+  </p:cSld>
+  <p:clrMapOvr>
+    <a:masterClrMapping/>
+  </p:clrMapOvr>
+</p:sld>
+</file>
+
+<file path=ppt/slides/slide14.xml><?xml version="1.0" encoding="utf-8"?>
+<p:sld xmlns:a="http://schemas.openxmlformats.org/drawingml/2006/main" xmlns:r="http://schemas.openxmlformats.org/officeDocument/2006/relationships" xmlns:p="http://schemas.openxmlformats.org/presentationml/2006/main">
+  <p:cSld>
+    <p:spTree>
+      <p:nvGrpSpPr>
+        <p:cNvPr id="1" name=""/>
+        <p:cNvGrpSpPr/>
+        <p:nvPr/>
+      </p:nvGrpSpPr>
+      <p:grpSpPr>
+        <a:xfrm>
+          <a:off x="0" y="0"/>
+          <a:ext cx="0" cy="0"/>
+          <a:chOff x="0" y="0"/>
+          <a:chExt cx="0" cy="0"/>
+        </a:xfrm>
+      </p:grpSpPr>
+      <p:sp>
+        <p:nvSpPr>
+          <p:cNvPr id="2" name="Title 1">
+            <a:extLst>
+              <a:ext uri="{FF2B5EF4-FFF2-40B4-BE49-F238E27FC236}">
+                <a16:creationId xmlns:a16="http://schemas.microsoft.com/office/drawing/2014/main" id="{EB2D0851-DC72-42E7-97D2-63FB51421EFD}"/>
+              </a:ext>
+            </a:extLst>
+          </p:cNvPr>
+          <p:cNvSpPr>
+            <a:spLocks noGrp="1"/>
+          </p:cNvSpPr>
+          <p:nvPr>
+            <p:ph type="title"/>
+          </p:nvPr>
+        </p:nvSpPr>
+        <p:spPr/>
+        <p:txBody>
+          <a:bodyPr/>
+          <a:lstStyle/>
+          <a:p>
+            <a:r>
+              <a:rPr lang="en-US" dirty="0"/>
+              <a:t>Optimize FI</a:t>
+            </a:r>
+            <a:endParaRPr lang="en-CA" dirty="0"/>
+          </a:p>
+        </p:txBody>
+      </p:sp>
+      <p:sp>
+        <p:nvSpPr>
+          <p:cNvPr id="3" name="Content Placeholder 2">
+            <a:extLst>
+              <a:ext uri="{FF2B5EF4-FFF2-40B4-BE49-F238E27FC236}">
+                <a16:creationId xmlns:a16="http://schemas.microsoft.com/office/drawing/2014/main" id="{BAD1779E-0457-4A7A-96FD-615FEE1F9860}"/>
+              </a:ext>
+            </a:extLst>
+          </p:cNvPr>
+          <p:cNvSpPr>
+            <a:spLocks noGrp="1"/>
+          </p:cNvSpPr>
+          <p:nvPr>
+            <p:ph idx="1"/>
+          </p:nvPr>
+        </p:nvSpPr>
+        <p:spPr/>
+        <p:txBody>
+          <a:bodyPr/>
+          <a:lstStyle/>
+          <a:p>
+            <a:r>
+              <a:rPr lang="en-US" dirty="0"/>
+              <a:t>Huge overhead of exhaustive Fault injection.</a:t>
+            </a:r>
+          </a:p>
+          <a:p>
+            <a:r>
+              <a:rPr lang="en-US" dirty="0">
+                <a:solidFill>
+                  <a:srgbClr val="FF0000"/>
+                </a:solidFill>
+              </a:rPr>
+              <a:t>Graph showing overhead</a:t>
+            </a:r>
+          </a:p>
+          <a:p>
+            <a:r>
+              <a:rPr lang="en-US" dirty="0"/>
+              <a:t>We have filtered out the most critical faults.</a:t>
+            </a:r>
+          </a:p>
+          <a:p>
+            <a:endParaRPr lang="en-US" dirty="0"/>
+          </a:p>
+          <a:p>
+            <a:r>
+              <a:rPr lang="en-US" dirty="0"/>
+              <a:t>Can we do better for more exhaustive search?</a:t>
+            </a:r>
+            <a:endParaRPr lang="en-CA" dirty="0"/>
+          </a:p>
+        </p:txBody>
+      </p:sp>
+    </p:spTree>
+    <p:extLst>
+      <p:ext uri="{BB962C8B-B14F-4D97-AF65-F5344CB8AC3E}">
+        <p14:creationId xmlns:p14="http://schemas.microsoft.com/office/powerpoint/2010/main" val="2705304640"/>
+      </p:ext>
+    </p:extLst>
+  </p:cSld>
+  <p:clrMapOvr>
+    <a:masterClrMapping/>
+  </p:clrMapOvr>
+</p:sld>
+</file>
+
+<file path=ppt/slides/slide15.xml><?xml version="1.0" encoding="utf-8"?>
+<p:sld xmlns:a="http://schemas.openxmlformats.org/drawingml/2006/main" xmlns:r="http://schemas.openxmlformats.org/officeDocument/2006/relationships" xmlns:p="http://schemas.openxmlformats.org/presentationml/2006/main">
+  <p:cSld>
+    <p:spTree>
+      <p:nvGrpSpPr>
+        <p:cNvPr id="1" name=""/>
+        <p:cNvGrpSpPr/>
+        <p:nvPr/>
+      </p:nvGrpSpPr>
+      <p:grpSpPr>
+        <a:xfrm>
+          <a:off x="0" y="0"/>
+          <a:ext cx="0" cy="0"/>
+          <a:chOff x="0" y="0"/>
+          <a:chExt cx="0" cy="0"/>
+        </a:xfrm>
+      </p:grpSpPr>
+      <p:sp>
+        <p:nvSpPr>
+          <p:cNvPr id="2" name="Title 1">
+            <a:extLst>
+              <a:ext uri="{FF2B5EF4-FFF2-40B4-BE49-F238E27FC236}">
+                <a16:creationId xmlns:a16="http://schemas.microsoft.com/office/drawing/2014/main" id="{CFA5FCCC-8956-4A23-B4AC-410006F94B8A}"/>
+              </a:ext>
+            </a:extLst>
+          </p:cNvPr>
+          <p:cNvSpPr>
+            <a:spLocks noGrp="1"/>
+          </p:cNvSpPr>
+          <p:nvPr>
+            <p:ph type="title"/>
+          </p:nvPr>
+        </p:nvSpPr>
+        <p:spPr/>
+        <p:txBody>
+          <a:bodyPr/>
+          <a:lstStyle/>
+          <a:p>
+            <a:r>
+              <a:rPr lang="en-US" dirty="0"/>
+              <a:t>Fault Injection at Critical locations</a:t>
+            </a:r>
+            <a:endParaRPr lang="en-CA" dirty="0"/>
+          </a:p>
+        </p:txBody>
+      </p:sp>
+      <p:sp>
+        <p:nvSpPr>
+          <p:cNvPr id="3" name="Content Placeholder 2">
+            <a:extLst>
+              <a:ext uri="{FF2B5EF4-FFF2-40B4-BE49-F238E27FC236}">
+                <a16:creationId xmlns:a16="http://schemas.microsoft.com/office/drawing/2014/main" id="{EBF72196-1365-440A-BD4D-5919EEE816A2}"/>
+              </a:ext>
+            </a:extLst>
+          </p:cNvPr>
+          <p:cNvSpPr>
+            <a:spLocks noGrp="1"/>
+          </p:cNvSpPr>
+          <p:nvPr>
+            <p:ph idx="1"/>
+          </p:nvPr>
+        </p:nvSpPr>
+        <p:spPr/>
+        <p:txBody>
+          <a:bodyPr/>
+          <a:lstStyle/>
+          <a:p>
+            <a:r>
+              <a:rPr lang="en-US" dirty="0"/>
+              <a:t>Profile commands from golden run.</a:t>
+            </a:r>
+          </a:p>
+          <a:p>
+            <a:endParaRPr lang="en-US" dirty="0"/>
+          </a:p>
+          <a:p>
+            <a:endParaRPr lang="en-US" dirty="0"/>
+          </a:p>
+          <a:p>
+            <a:endParaRPr lang="en-US" dirty="0"/>
+          </a:p>
+          <a:p>
+            <a:endParaRPr lang="en-US" dirty="0"/>
+          </a:p>
+          <a:p>
+            <a:r>
+              <a:rPr lang="en-US" dirty="0"/>
+              <a:t>Recognize critical moments in the path using a threshold.</a:t>
+            </a:r>
+          </a:p>
+          <a:p>
+            <a:endParaRPr lang="en-US" dirty="0"/>
+          </a:p>
+          <a:p>
+            <a:r>
+              <a:rPr lang="en-US" dirty="0"/>
+              <a:t>Inject fault only at these moments.</a:t>
+            </a:r>
+            <a:endParaRPr lang="en-CA" dirty="0"/>
+          </a:p>
+        </p:txBody>
+      </p:sp>
+      <p:sp>
+        <p:nvSpPr>
+          <p:cNvPr id="4" name="Rectangle: Rounded Corners 3">
+            <a:extLst>
+              <a:ext uri="{FF2B5EF4-FFF2-40B4-BE49-F238E27FC236}">
+                <a16:creationId xmlns:a16="http://schemas.microsoft.com/office/drawing/2014/main" id="{60071502-984B-4212-9B75-81DBCB156CB7}"/>
+              </a:ext>
+            </a:extLst>
+          </p:cNvPr>
+          <p:cNvSpPr/>
+          <p:nvPr/>
+        </p:nvSpPr>
+        <p:spPr>
+          <a:xfrm>
+            <a:off x="2735756" y="3279808"/>
+            <a:ext cx="1296140" cy="574829"/>
+          </a:xfrm>
+          <a:prstGeom prst="roundRect">
+            <a:avLst/>
+          </a:prstGeom>
+        </p:spPr>
+        <p:style>
+          <a:lnRef idx="2">
+            <a:schemeClr val="accent1">
+              <a:shade val="50000"/>
+            </a:schemeClr>
+          </a:lnRef>
+          <a:fillRef idx="1">
+            <a:schemeClr val="accent1"/>
+          </a:fillRef>
+          <a:effectRef idx="0">
+            <a:schemeClr val="accent1"/>
+          </a:effectRef>
+          <a:fontRef idx="minor">
+            <a:schemeClr val="lt1"/>
+          </a:fontRef>
+        </p:style>
+        <p:txBody>
+          <a:bodyPr rtlCol="0" anchor="ctr"/>
+          <a:lstStyle/>
+          <a:p>
+            <a:pPr algn="ctr"/>
+            <a:r>
+              <a:rPr lang="en-US" dirty="0"/>
+              <a:t>Server</a:t>
+            </a:r>
+            <a:endParaRPr lang="en-CA" dirty="0"/>
+          </a:p>
+        </p:txBody>
+      </p:sp>
+      <p:sp>
+        <p:nvSpPr>
+          <p:cNvPr id="5" name="Rectangle: Rounded Corners 4">
+            <a:extLst>
+              <a:ext uri="{FF2B5EF4-FFF2-40B4-BE49-F238E27FC236}">
+                <a16:creationId xmlns:a16="http://schemas.microsoft.com/office/drawing/2014/main" id="{E565C764-1822-4B71-B896-7758F777477D}"/>
+              </a:ext>
+            </a:extLst>
+          </p:cNvPr>
+          <p:cNvSpPr/>
+          <p:nvPr/>
+        </p:nvSpPr>
+        <p:spPr>
+          <a:xfrm>
+            <a:off x="8160106" y="3279808"/>
+            <a:ext cx="1296140" cy="574829"/>
+          </a:xfrm>
+          <a:prstGeom prst="roundRect">
+            <a:avLst/>
+          </a:prstGeom>
+        </p:spPr>
+        <p:style>
+          <a:lnRef idx="2">
+            <a:schemeClr val="accent1">
+              <a:shade val="50000"/>
+            </a:schemeClr>
+          </a:lnRef>
+          <a:fillRef idx="1">
+            <a:schemeClr val="accent1"/>
+          </a:fillRef>
+          <a:effectRef idx="0">
+            <a:schemeClr val="accent1"/>
+          </a:effectRef>
+          <a:fontRef idx="minor">
+            <a:schemeClr val="lt1"/>
+          </a:fontRef>
+        </p:style>
+        <p:txBody>
+          <a:bodyPr rtlCol="0" anchor="ctr"/>
+          <a:lstStyle/>
+          <a:p>
+            <a:pPr algn="ctr"/>
+            <a:r>
+              <a:rPr lang="en-US" dirty="0"/>
+              <a:t>Client</a:t>
+            </a:r>
+            <a:endParaRPr lang="en-CA" dirty="0"/>
+          </a:p>
+        </p:txBody>
+      </p:sp>
+      <p:cxnSp>
+        <p:nvCxnSpPr>
+          <p:cNvPr id="8" name="Straight Arrow Connector 7">
+            <a:extLst>
+              <a:ext uri="{FF2B5EF4-FFF2-40B4-BE49-F238E27FC236}">
+                <a16:creationId xmlns:a16="http://schemas.microsoft.com/office/drawing/2014/main" id="{E6483B7D-972C-4AD7-B956-3438B486D4AE}"/>
+              </a:ext>
+            </a:extLst>
+          </p:cNvPr>
+          <p:cNvCxnSpPr>
+            <a:stCxn id="5" idx="1"/>
+            <a:endCxn id="4" idx="3"/>
+          </p:cNvCxnSpPr>
+          <p:nvPr/>
+        </p:nvCxnSpPr>
+        <p:spPr>
+          <a:xfrm flipH="1">
+            <a:off x="4031896" y="3567223"/>
+            <a:ext cx="4128210" cy="0"/>
+          </a:xfrm>
+          <a:prstGeom prst="straightConnector1">
+            <a:avLst/>
+          </a:prstGeom>
+          <a:ln w="19050">
+            <a:tailEnd type="triangle"/>
+          </a:ln>
+        </p:spPr>
+        <p:style>
+          <a:lnRef idx="1">
+            <a:schemeClr val="accent1"/>
+          </a:lnRef>
+          <a:fillRef idx="0">
+            <a:schemeClr val="accent1"/>
+          </a:fillRef>
+          <a:effectRef idx="0">
+            <a:schemeClr val="accent1"/>
+          </a:effectRef>
+          <a:fontRef idx="minor">
+            <a:schemeClr val="tx1"/>
+          </a:fontRef>
+        </p:style>
+      </p:cxnSp>
+      <p:sp>
+        <p:nvSpPr>
+          <p:cNvPr id="10" name="Rectangle 9">
+            <a:extLst>
+              <a:ext uri="{FF2B5EF4-FFF2-40B4-BE49-F238E27FC236}">
+                <a16:creationId xmlns:a16="http://schemas.microsoft.com/office/drawing/2014/main" id="{A712AB4E-9E91-4D70-8262-9C9AE6237BB0}"/>
+              </a:ext>
+            </a:extLst>
+          </p:cNvPr>
+          <p:cNvSpPr/>
+          <p:nvPr/>
+        </p:nvSpPr>
+        <p:spPr>
+          <a:xfrm>
+            <a:off x="4316819" y="3062180"/>
+            <a:ext cx="3625702" cy="407320"/>
+          </a:xfrm>
+          <a:prstGeom prst="rect">
+            <a:avLst/>
+          </a:prstGeom>
+        </p:spPr>
+        <p:style>
+          <a:lnRef idx="2">
+            <a:schemeClr val="accent2">
+              <a:shade val="50000"/>
+            </a:schemeClr>
+          </a:lnRef>
+          <a:fillRef idx="1">
+            <a:schemeClr val="accent2"/>
+          </a:fillRef>
+          <a:effectRef idx="0">
+            <a:schemeClr val="accent2"/>
+          </a:effectRef>
+          <a:fontRef idx="minor">
+            <a:schemeClr val="lt1"/>
+          </a:fontRef>
+        </p:style>
+        <p:txBody>
+          <a:bodyPr rtlCol="0" anchor="ctr"/>
+          <a:lstStyle/>
+          <a:p>
+            <a:pPr algn="ctr"/>
+            <a:r>
+              <a:rPr lang="en-US" dirty="0"/>
+              <a:t>Steering angle, Throttle, Break</a:t>
+            </a:r>
+            <a:endParaRPr lang="en-CA" dirty="0"/>
+          </a:p>
+        </p:txBody>
+      </p:sp>
+    </p:spTree>
+    <p:extLst>
+      <p:ext uri="{BB962C8B-B14F-4D97-AF65-F5344CB8AC3E}">
+        <p14:creationId xmlns:p14="http://schemas.microsoft.com/office/powerpoint/2010/main" val="4171662035"/>
+      </p:ext>
+    </p:extLst>
+  </p:cSld>
+  <p:clrMapOvr>
+    <a:masterClrMapping/>
+  </p:clrMapOvr>
+</p:sld>
+</file>
+
+<file path=ppt/slides/slide16.xml><?xml version="1.0" encoding="utf-8"?>
+<p:sld xmlns:a="http://schemas.openxmlformats.org/drawingml/2006/main" xmlns:r="http://schemas.openxmlformats.org/officeDocument/2006/relationships" xmlns:p="http://schemas.openxmlformats.org/presentationml/2006/main">
+  <p:cSld>
+    <p:spTree>
+      <p:nvGrpSpPr>
+        <p:cNvPr id="1" name=""/>
+        <p:cNvGrpSpPr/>
+        <p:nvPr/>
+      </p:nvGrpSpPr>
+      <p:grpSpPr>
+        <a:xfrm>
+          <a:off x="0" y="0"/>
+          <a:ext cx="0" cy="0"/>
+          <a:chOff x="0" y="0"/>
+          <a:chExt cx="0" cy="0"/>
+        </a:xfrm>
+      </p:grpSpPr>
+      <p:sp>
+        <p:nvSpPr>
+          <p:cNvPr id="2" name="Title 1">
+            <a:extLst>
+              <a:ext uri="{FF2B5EF4-FFF2-40B4-BE49-F238E27FC236}">
+                <a16:creationId xmlns:a16="http://schemas.microsoft.com/office/drawing/2014/main" id="{5E55C2C8-8104-404F-9D99-8E24B40CFDFC}"/>
+              </a:ext>
+            </a:extLst>
+          </p:cNvPr>
+          <p:cNvSpPr>
+            <a:spLocks noGrp="1"/>
+          </p:cNvSpPr>
+          <p:nvPr>
+            <p:ph type="title"/>
+          </p:nvPr>
+        </p:nvSpPr>
+        <p:spPr/>
+        <p:txBody>
+          <a:bodyPr/>
+          <a:lstStyle/>
+          <a:p>
+            <a:r>
+              <a:rPr lang="en-US" dirty="0"/>
+              <a:t>Fault Injection at Critical locations</a:t>
+            </a:r>
+            <a:endParaRPr lang="en-CA" dirty="0"/>
+          </a:p>
+        </p:txBody>
+      </p:sp>
+      <p:sp>
+        <p:nvSpPr>
+          <p:cNvPr id="3" name="Content Placeholder 2">
+            <a:extLst>
+              <a:ext uri="{FF2B5EF4-FFF2-40B4-BE49-F238E27FC236}">
+                <a16:creationId xmlns:a16="http://schemas.microsoft.com/office/drawing/2014/main" id="{D40E0C67-ECFF-4B9D-B2A4-FB6655454476}"/>
+              </a:ext>
+            </a:extLst>
+          </p:cNvPr>
+          <p:cNvSpPr>
+            <a:spLocks noGrp="1"/>
+          </p:cNvSpPr>
+          <p:nvPr>
+            <p:ph idx="1"/>
+          </p:nvPr>
+        </p:nvSpPr>
+        <p:spPr>
+          <a:xfrm>
+            <a:off x="838200" y="1825625"/>
+            <a:ext cx="10515600" cy="4351338"/>
+          </a:xfrm>
+        </p:spPr>
+        <p:txBody>
+          <a:bodyPr/>
+          <a:lstStyle/>
+          <a:p>
+            <a:r>
+              <a:rPr lang="en-US" dirty="0"/>
+              <a:t>Fails to induce failure &lt;Graph here&gt;</a:t>
+            </a:r>
+          </a:p>
+          <a:p>
+            <a:endParaRPr lang="en-US" dirty="0"/>
+          </a:p>
+          <a:p>
+            <a:endParaRPr lang="en-US" dirty="0"/>
+          </a:p>
+          <a:p>
+            <a:r>
+              <a:rPr lang="en-US" dirty="0"/>
+              <a:t>Recurrent neural networks used.</a:t>
+            </a:r>
+          </a:p>
+          <a:p>
+            <a:endParaRPr lang="en-US" dirty="0"/>
+          </a:p>
+          <a:p>
+            <a:endParaRPr lang="en-US" dirty="0"/>
+          </a:p>
+          <a:p>
+            <a:r>
+              <a:rPr lang="en-US" dirty="0"/>
+              <a:t>Fault not always at critical location.</a:t>
+            </a:r>
+          </a:p>
+          <a:p>
+            <a:endParaRPr lang="en-US" dirty="0"/>
+          </a:p>
+          <a:p>
+            <a:endParaRPr lang="en-CA" dirty="0"/>
+          </a:p>
+        </p:txBody>
+      </p:sp>
+      <p:pic>
+        <p:nvPicPr>
+          <p:cNvPr id="5" name="Picture 4">
+            <a:extLst>
+              <a:ext uri="{FF2B5EF4-FFF2-40B4-BE49-F238E27FC236}">
+                <a16:creationId xmlns:a16="http://schemas.microsoft.com/office/drawing/2014/main" id="{255DB63B-FB76-4A00-B30F-C3439B701BA1}"/>
+              </a:ext>
+            </a:extLst>
+          </p:cNvPr>
+          <p:cNvPicPr>
+            <a:picLocks noChangeAspect="1"/>
+          </p:cNvPicPr>
+          <p:nvPr/>
+        </p:nvPicPr>
+        <p:blipFill>
+          <a:blip r:embed="rId2"/>
+          <a:stretch>
+            <a:fillRect/>
+          </a:stretch>
+        </p:blipFill>
+        <p:spPr>
+          <a:xfrm>
+            <a:off x="7363268" y="3349255"/>
+            <a:ext cx="3629025" cy="2638425"/>
+          </a:xfrm>
+          <a:prstGeom prst="rect">
+            <a:avLst/>
+          </a:prstGeom>
+        </p:spPr>
+      </p:pic>
+    </p:spTree>
+    <p:extLst>
+      <p:ext uri="{BB962C8B-B14F-4D97-AF65-F5344CB8AC3E}">
+        <p14:creationId xmlns:p14="http://schemas.microsoft.com/office/powerpoint/2010/main" val="28976034"/>
+      </p:ext>
+    </p:extLst>
+  </p:cSld>
+  <p:clrMapOvr>
+    <a:masterClrMapping/>
+  </p:clrMapOvr>
+  <p:timing>
+    <p:tnLst>
+      <p:par>
+        <p:cTn id="1" dur="indefinite" restart="never" nodeType="tmRoot">
+          <p:childTnLst>
+            <p:seq concurrent="1" nextAc="seek">
+              <p:cTn id="2" dur="indefinite" nodeType="mainSeq">
+                <p:childTnLst>
+                  <p:par>
+                    <p:cTn id="3" fill="hold">
+                      <p:stCondLst>
+                        <p:cond delay="indefinite"/>
+                      </p:stCondLst>
+                      <p:childTnLst>
+                        <p:par>
+                          <p:cTn id="4" fill="hold">
+                            <p:stCondLst>
+                              <p:cond delay="0"/>
+                            </p:stCondLst>
+                            <p:childTnLst>
+                              <p:par>
+                                <p:cTn id="5" presetID="1" presetClass="entr" presetSubtype="0" fill="hold" nodeType="clickEffect">
+                                  <p:stCondLst>
+                                    <p:cond delay="0"/>
+                                  </p:stCondLst>
+                                  <p:childTnLst>
+                                    <p:set>
+                                      <p:cBhvr>
+                                        <p:cTn id="6" dur="1" fill="hold">
+                                          <p:stCondLst>
+                                            <p:cond delay="0"/>
+                                          </p:stCondLst>
+                                        </p:cTn>
+                                        <p:tgtEl>
+                                          <p:spTgt spid="3">
+                                            <p:txEl>
+                                              <p:pRg st="0" end="0"/>
+                                            </p:txEl>
+                                          </p:spTgt>
+                                        </p:tgtEl>
+                                        <p:attrNameLst>
+                                          <p:attrName>style.visibility</p:attrName>
+                                        </p:attrNameLst>
+                                      </p:cBhvr>
+                                      <p:to>
+                                        <p:strVal val="visible"/>
+                                      </p:to>
+                                    </p:set>
+                                  </p:childTnLst>
+                                </p:cTn>
+                              </p:par>
+                            </p:childTnLst>
+                          </p:cTn>
+                        </p:par>
+                      </p:childTnLst>
+                    </p:cTn>
+                  </p:par>
+                  <p:par>
+                    <p:cTn id="7" fill="hold">
+                      <p:stCondLst>
+                        <p:cond delay="indefinite"/>
+                      </p:stCondLst>
+                      <p:childTnLst>
+                        <p:par>
+                          <p:cTn id="8" fill="hold">
+                            <p:stCondLst>
+                              <p:cond delay="0"/>
+                            </p:stCondLst>
+                            <p:childTnLst>
+                              <p:par>
+                                <p:cTn id="9" presetID="1" presetClass="entr" presetSubtype="0" fill="hold" nodeType="clickEffect">
+                                  <p:stCondLst>
+                                    <p:cond delay="0"/>
+                                  </p:stCondLst>
+                                  <p:childTnLst>
+                                    <p:set>
+                                      <p:cBhvr>
+                                        <p:cTn id="10" dur="1" fill="hold">
+                                          <p:stCondLst>
+                                            <p:cond delay="0"/>
+                                          </p:stCondLst>
+                                        </p:cTn>
+                                        <p:tgtEl>
+                                          <p:spTgt spid="3">
+                                            <p:txEl>
+                                              <p:pRg st="3" end="3"/>
+                                            </p:txEl>
+                                          </p:spTgt>
+                                        </p:tgtEl>
+                                        <p:attrNameLst>
+                                          <p:attrName>style.visibility</p:attrName>
+                                        </p:attrNameLst>
+                                      </p:cBhvr>
+                                      <p:to>
+                                        <p:strVal val="visible"/>
+                                      </p:to>
+                                    </p:set>
+                                  </p:childTnLst>
+                                </p:cTn>
+                              </p:par>
+                            </p:childTnLst>
+                          </p:cTn>
+                        </p:par>
+                      </p:childTnLst>
+                    </p:cTn>
+                  </p:par>
+                  <p:par>
+                    <p:cTn id="11" fill="hold">
+                      <p:stCondLst>
+                        <p:cond delay="indefinite"/>
+                      </p:stCondLst>
+                      <p:childTnLst>
+                        <p:par>
+                          <p:cTn id="12" fill="hold">
+                            <p:stCondLst>
+                              <p:cond delay="0"/>
+                            </p:stCondLst>
+                            <p:childTnLst>
+                              <p:par>
+                                <p:cTn id="13" presetID="1" presetClass="entr" presetSubtype="0" fill="hold" nodeType="clickEffect">
+                                  <p:stCondLst>
+                                    <p:cond delay="0"/>
+                                  </p:stCondLst>
+                                  <p:childTnLst>
+                                    <p:set>
+                                      <p:cBhvr>
+                                        <p:cTn id="14" dur="1" fill="hold">
+                                          <p:stCondLst>
+                                            <p:cond delay="0"/>
+                                          </p:stCondLst>
+                                        </p:cTn>
+                                        <p:tgtEl>
+                                          <p:spTgt spid="3">
+                                            <p:txEl>
+                                              <p:pRg st="6" end="6"/>
+                                            </p:txEl>
+                                          </p:spTgt>
+                                        </p:tgtEl>
+                                        <p:attrNameLst>
+                                          <p:attrName>style.visibility</p:attrName>
+                                        </p:attrNameLst>
+                                      </p:cBhvr>
+                                      <p:to>
+                                        <p:strVal val="visible"/>
+                                      </p:to>
+                                    </p:set>
+                                  </p:childTnLst>
+                                </p:cTn>
+                              </p:par>
+                              <p:par>
+                                <p:cTn id="15" presetID="1" presetClass="entr" presetSubtype="0" fill="hold" nodeType="withEffect">
+                                  <p:stCondLst>
+                                    <p:cond delay="0"/>
+                                  </p:stCondLst>
+                                  <p:childTnLst>
+                                    <p:set>
+                                      <p:cBhvr>
+                                        <p:cTn id="16" dur="1" fill="hold">
+                                          <p:stCondLst>
+                                            <p:cond delay="0"/>
+                                          </p:stCondLst>
+                                        </p:cTn>
+                                        <p:tgtEl>
+                                          <p:spTgt spid="5"/>
+                                        </p:tgtEl>
+                                        <p:attrNameLst>
+                                          <p:attrName>style.visibility</p:attrName>
+                                        </p:attrNameLst>
+                                      </p:cBhvr>
+                                      <p:to>
+                                        <p:strVal val="visible"/>
+                                      </p:to>
+                                    </p:set>
+                                  </p:childTnLst>
+                                </p:cTn>
+                              </p:par>
+                            </p:childTnLst>
+                          </p:cTn>
+                        </p:par>
+                      </p:childTnLst>
+                    </p:cTn>
+                  </p:par>
+                </p:childTnLst>
+              </p:cTn>
+              <p:prevCondLst>
+                <p:cond evt="onPrev" delay="0">
+                  <p:tgtEl>
+                    <p:sldTgt/>
+                  </p:tgtEl>
+                </p:cond>
+              </p:prevCondLst>
+              <p:nextCondLst>
+                <p:cond evt="onNext" delay="0">
+                  <p:tgtEl>
+                    <p:sldTgt/>
+                  </p:tgtEl>
+                </p:cond>
+              </p:nextCondLst>
+            </p:seq>
+          </p:childTnLst>
+        </p:cTn>
+      </p:par>
+    </p:tnLst>
+  </p:timing>
+</p:sld>
+</file>
+
+<file path=ppt/slides/slide17.xml><?xml version="1.0" encoding="utf-8"?>
+<p:sld xmlns:a="http://schemas.openxmlformats.org/drawingml/2006/main" xmlns:r="http://schemas.openxmlformats.org/officeDocument/2006/relationships" xmlns:p="http://schemas.openxmlformats.org/presentationml/2006/main">
+  <p:cSld>
+    <p:spTree>
+      <p:nvGrpSpPr>
+        <p:cNvPr id="1" name=""/>
+        <p:cNvGrpSpPr/>
+        <p:nvPr/>
+      </p:nvGrpSpPr>
+      <p:grpSpPr>
+        <a:xfrm>
+          <a:off x="0" y="0"/>
+          <a:ext cx="0" cy="0"/>
+          <a:chOff x="0" y="0"/>
+          <a:chExt cx="0" cy="0"/>
+        </a:xfrm>
+      </p:grpSpPr>
+      <p:sp>
+        <p:nvSpPr>
+          <p:cNvPr id="2" name="Title 1">
+            <a:extLst>
+              <a:ext uri="{FF2B5EF4-FFF2-40B4-BE49-F238E27FC236}">
                 <a16:creationId xmlns:a16="http://schemas.microsoft.com/office/drawing/2014/main" id="{2068C0C3-2B63-4BBA-83A8-4E2E5EA66E31}"/>
               </a:ext>
             </a:extLst>
@@ -3629,7 +6938,7 @@
           <a:p>
             <a:r>
               <a:rPr lang="en-US" dirty="0"/>
-              <a:t>FI after 10</a:t>
+              <a:t>Fault Injection at Critical locations</a:t>
             </a:r>
             <a:endParaRPr lang="en-CA" dirty="0"/>
           </a:p>
@@ -3656,7 +6965,7 @@
           <a:bodyPr/>
           <a:lstStyle/>
           <a:p>
-            <a:endParaRPr lang="en-CA"/>
+            <a:endParaRPr lang="en-CA" dirty="0"/>
           </a:p>
         </p:txBody>
       </p:sp>
@@ -3673,7 +6982,7 @@
 </p:sld>
 </file>
 
-<file path=ppt/slides/slide13.xml><?xml version="1.0" encoding="utf-8"?>
+<file path=ppt/slides/slide18.xml><?xml version="1.0" encoding="utf-8"?>
 <p:sld xmlns:a="http://schemas.openxmlformats.org/drawingml/2006/main" xmlns:r="http://schemas.openxmlformats.org/officeDocument/2006/relationships" xmlns:p="http://schemas.openxmlformats.org/presentationml/2006/main">
   <p:cSld>
     <p:spTree>
@@ -3985,7 +7294,7 @@
           <p:cNvPr id="2" name="Title 1">
             <a:extLst>
               <a:ext uri="{FF2B5EF4-FFF2-40B4-BE49-F238E27FC236}">
-                <a16:creationId xmlns:a16="http://schemas.microsoft.com/office/drawing/2014/main" id="{E115938B-88C9-44A7-851C-ABB2D6069A1D}"/>
+                <a16:creationId xmlns:a16="http://schemas.microsoft.com/office/drawing/2014/main" id="{35ADD403-5EF6-48DD-BC96-EF5B394DEE98}"/>
               </a:ext>
             </a:extLst>
           </p:cNvPr>
@@ -4003,7 +7312,7 @@
           <a:p>
             <a:r>
               <a:rPr lang="en-US" dirty="0"/>
-              <a:t>Structure of ADS</a:t>
+              <a:t>Our goal</a:t>
             </a:r>
             <a:endParaRPr lang="en-CA" dirty="0"/>
           </a:p>
@@ -4014,7 +7323,7 @@
           <p:cNvPr id="3" name="Content Placeholder 2">
             <a:extLst>
               <a:ext uri="{FF2B5EF4-FFF2-40B4-BE49-F238E27FC236}">
-                <a16:creationId xmlns:a16="http://schemas.microsoft.com/office/drawing/2014/main" id="{FAE7B2A0-7F8E-4B00-8D82-4992CE155B7F}"/>
+                <a16:creationId xmlns:a16="http://schemas.microsoft.com/office/drawing/2014/main" id="{963C38E0-B12E-43A6-ABDD-803769DBB842}"/>
               </a:ext>
             </a:extLst>
           </p:cNvPr>
@@ -4029,12 +7338,6 @@
         <p:txBody>
           <a:bodyPr/>
           <a:lstStyle/>
-          <a:p>
-            <a:r>
-              <a:rPr lang="en-US" dirty="0"/>
-              <a:t>High level diagram of components and feedback loop.</a:t>
-            </a:r>
-          </a:p>
           <a:p>
             <a:endParaRPr lang="en-CA" dirty="0"/>
           </a:p>
@@ -4043,7 +7346,7 @@
     </p:spTree>
     <p:extLst>
       <p:ext uri="{BB962C8B-B14F-4D97-AF65-F5344CB8AC3E}">
-        <p14:creationId xmlns:p14="http://schemas.microsoft.com/office/powerpoint/2010/main" val="2551319766"/>
+        <p14:creationId xmlns:p14="http://schemas.microsoft.com/office/powerpoint/2010/main" val="3390217915"/>
       </p:ext>
     </p:extLst>
   </p:cSld>
@@ -4075,7 +7378,7 @@
           <p:cNvPr id="2" name="Title 1">
             <a:extLst>
               <a:ext uri="{FF2B5EF4-FFF2-40B4-BE49-F238E27FC236}">
-                <a16:creationId xmlns:a16="http://schemas.microsoft.com/office/drawing/2014/main" id="{267CC240-108A-41EB-953B-F34AFC703EDB}"/>
+                <a16:creationId xmlns:a16="http://schemas.microsoft.com/office/drawing/2014/main" id="{E115938B-88C9-44A7-851C-ABB2D6069A1D}"/>
               </a:ext>
             </a:extLst>
           </p:cNvPr>
@@ -4093,7 +7396,7 @@
           <a:p>
             <a:r>
               <a:rPr lang="en-US" dirty="0"/>
-              <a:t>Talk about sensors</a:t>
+              <a:t>Structure of ADS</a:t>
             </a:r>
             <a:endParaRPr lang="en-CA" dirty="0"/>
           </a:p>
@@ -4104,7 +7407,7 @@
           <p:cNvPr id="3" name="Content Placeholder 2">
             <a:extLst>
               <a:ext uri="{FF2B5EF4-FFF2-40B4-BE49-F238E27FC236}">
-                <a16:creationId xmlns:a16="http://schemas.microsoft.com/office/drawing/2014/main" id="{3EAAC3A0-0061-4EF4-8619-53F88F5EAEA0}"/>
+                <a16:creationId xmlns:a16="http://schemas.microsoft.com/office/drawing/2014/main" id="{FAE7B2A0-7F8E-4B00-8D82-4992CE155B7F}"/>
               </a:ext>
             </a:extLst>
           </p:cNvPr>
@@ -4122,8 +7425,10 @@
           <a:p>
             <a:r>
               <a:rPr lang="en-US" dirty="0"/>
-              <a:t>Four type of sensors</a:t>
-            </a:r>
+              <a:t>High level diagram of components and feedback loop.</a:t>
+            </a:r>
+          </a:p>
+          <a:p>
             <a:endParaRPr lang="en-CA" dirty="0"/>
           </a:p>
         </p:txBody>
@@ -4131,7 +7436,7 @@
     </p:spTree>
     <p:extLst>
       <p:ext uri="{BB962C8B-B14F-4D97-AF65-F5344CB8AC3E}">
-        <p14:creationId xmlns:p14="http://schemas.microsoft.com/office/powerpoint/2010/main" val="1139855625"/>
+        <p14:creationId xmlns:p14="http://schemas.microsoft.com/office/powerpoint/2010/main" val="2551319766"/>
       </p:ext>
     </p:extLst>
   </p:cSld>
@@ -4163,7 +7468,7 @@
           <p:cNvPr id="2" name="Title 1">
             <a:extLst>
               <a:ext uri="{FF2B5EF4-FFF2-40B4-BE49-F238E27FC236}">
-                <a16:creationId xmlns:a16="http://schemas.microsoft.com/office/drawing/2014/main" id="{19EA82E6-4DD7-4897-B0DF-7A76193C603C}"/>
+                <a16:creationId xmlns:a16="http://schemas.microsoft.com/office/drawing/2014/main" id="{267CC240-108A-41EB-953B-F34AFC703EDB}"/>
               </a:ext>
             </a:extLst>
           </p:cNvPr>
@@ -4181,7 +7486,7 @@
           <a:p>
             <a:r>
               <a:rPr lang="en-US" dirty="0"/>
-              <a:t>Camera</a:t>
+              <a:t>Talk about sensors</a:t>
             </a:r>
             <a:endParaRPr lang="en-CA" dirty="0"/>
           </a:p>
@@ -4192,7 +7497,7 @@
           <p:cNvPr id="3" name="Content Placeholder 2">
             <a:extLst>
               <a:ext uri="{FF2B5EF4-FFF2-40B4-BE49-F238E27FC236}">
-                <a16:creationId xmlns:a16="http://schemas.microsoft.com/office/drawing/2014/main" id="{AEB27B14-BC85-44C2-8F0E-A4A60C50076E}"/>
+                <a16:creationId xmlns:a16="http://schemas.microsoft.com/office/drawing/2014/main" id="{3EAAC3A0-0061-4EF4-8619-53F88F5EAEA0}"/>
               </a:ext>
             </a:extLst>
           </p:cNvPr>
@@ -4210,7 +7515,7 @@
           <a:p>
             <a:r>
               <a:rPr lang="en-US" dirty="0"/>
-              <a:t>First LIDAR but due to issues</a:t>
+              <a:t>Four type of sensors</a:t>
             </a:r>
             <a:endParaRPr lang="en-CA" dirty="0"/>
           </a:p>
@@ -4219,7 +7524,7 @@
     </p:spTree>
     <p:extLst>
       <p:ext uri="{BB962C8B-B14F-4D97-AF65-F5344CB8AC3E}">
-        <p14:creationId xmlns:p14="http://schemas.microsoft.com/office/powerpoint/2010/main" val="2823352949"/>
+        <p14:creationId xmlns:p14="http://schemas.microsoft.com/office/powerpoint/2010/main" val="1139855625"/>
       </p:ext>
     </p:extLst>
   </p:cSld>
@@ -4251,7 +7556,7 @@
           <p:cNvPr id="2" name="Title 1">
             <a:extLst>
               <a:ext uri="{FF2B5EF4-FFF2-40B4-BE49-F238E27FC236}">
-                <a16:creationId xmlns:a16="http://schemas.microsoft.com/office/drawing/2014/main" id="{05367B20-9DE1-41A5-A9DE-B22E82937655}"/>
+                <a16:creationId xmlns:a16="http://schemas.microsoft.com/office/drawing/2014/main" id="{19EA82E6-4DD7-4897-B0DF-7A76193C603C}"/>
               </a:ext>
             </a:extLst>
           </p:cNvPr>
@@ -4269,7 +7574,7 @@
           <a:p>
             <a:r>
               <a:rPr lang="en-US" dirty="0"/>
-              <a:t>CARLA</a:t>
+              <a:t>Camera</a:t>
             </a:r>
             <a:endParaRPr lang="en-CA" dirty="0"/>
           </a:p>
@@ -4280,7 +7585,7 @@
           <p:cNvPr id="3" name="Content Placeholder 2">
             <a:extLst>
               <a:ext uri="{FF2B5EF4-FFF2-40B4-BE49-F238E27FC236}">
-                <a16:creationId xmlns:a16="http://schemas.microsoft.com/office/drawing/2014/main" id="{7114D57D-D8B9-4A07-A7AB-B0279AF7D47D}"/>
+                <a16:creationId xmlns:a16="http://schemas.microsoft.com/office/drawing/2014/main" id="{AEB27B14-BC85-44C2-8F0E-A4A60C50076E}"/>
               </a:ext>
             </a:extLst>
           </p:cNvPr>
@@ -4296,6 +7601,10 @@
           <a:bodyPr/>
           <a:lstStyle/>
           <a:p>
+            <a:r>
+              <a:rPr lang="en-US" dirty="0"/>
+              <a:t>First LIDAR but due to issues</a:t>
+            </a:r>
             <a:endParaRPr lang="en-CA" dirty="0"/>
           </a:p>
         </p:txBody>
@@ -4303,7 +7612,7 @@
     </p:spTree>
     <p:extLst>
       <p:ext uri="{BB962C8B-B14F-4D97-AF65-F5344CB8AC3E}">
-        <p14:creationId xmlns:p14="http://schemas.microsoft.com/office/powerpoint/2010/main" val="2375103952"/>
+        <p14:creationId xmlns:p14="http://schemas.microsoft.com/office/powerpoint/2010/main" val="2823352949"/>
       </p:ext>
     </p:extLst>
   </p:cSld>
@@ -4316,6 +7625,14 @@
 <file path=ppt/slides/slide8.xml><?xml version="1.0" encoding="utf-8"?>
 <p:sld xmlns:a="http://schemas.openxmlformats.org/drawingml/2006/main" xmlns:r="http://schemas.openxmlformats.org/officeDocument/2006/relationships" xmlns:p="http://schemas.openxmlformats.org/presentationml/2006/main">
   <p:cSld>
+    <p:bg>
+      <p:bgPr>
+        <a:solidFill>
+          <a:schemeClr val="bg1"/>
+        </a:solidFill>
+        <a:effectLst/>
+      </p:bgPr>
+    </p:bg>
     <p:spTree>
       <p:nvGrpSpPr>
         <p:cNvPr id="1" name=""/>
@@ -4335,7 +7652,7 @@
           <p:cNvPr id="2" name="Title 1">
             <a:extLst>
               <a:ext uri="{FF2B5EF4-FFF2-40B4-BE49-F238E27FC236}">
-                <a16:creationId xmlns:a16="http://schemas.microsoft.com/office/drawing/2014/main" id="{22C507E0-43D7-408B-AEC7-D119D32ADD9B}"/>
+                <a16:creationId xmlns:a16="http://schemas.microsoft.com/office/drawing/2014/main" id="{05367B20-9DE1-41A5-A9DE-B22E82937655}"/>
               </a:ext>
             </a:extLst>
           </p:cNvPr>
@@ -4346,25 +7663,133 @@
             <p:ph type="title"/>
           </p:nvPr>
         </p:nvSpPr>
-        <p:spPr/>
-        <p:txBody>
-          <a:bodyPr/>
-          <a:lstStyle/>
-          <a:p>
-            <a:r>
-              <a:rPr lang="en-US" dirty="0"/>
-              <a:t>FI how it is done</a:t>
+        <p:spPr>
+          <a:xfrm>
+            <a:off x="960100" y="978102"/>
+            <a:ext cx="10588434" cy="1062644"/>
+          </a:xfrm>
+        </p:spPr>
+        <p:txBody>
+          <a:bodyPr anchor="b">
+            <a:normAutofit/>
+          </a:bodyPr>
+          <a:lstStyle/>
+          <a:p>
+            <a:r>
+              <a:rPr lang="en-US"/>
+              <a:t>CARLA (Car learning to act)</a:t>
             </a:r>
             <a:endParaRPr lang="en-CA" dirty="0"/>
           </a:p>
         </p:txBody>
       </p:sp>
+      <p:cxnSp>
+        <p:nvCxnSpPr>
+          <p:cNvPr id="1041" name="Straight Connector 143">
+            <a:extLst>
+              <a:ext uri="{FF2B5EF4-FFF2-40B4-BE49-F238E27FC236}">
+                <a16:creationId xmlns:a16="http://schemas.microsoft.com/office/drawing/2014/main" id="{39B7FDC9-F0CE-43A7-9F2A-83DD09DC3453}"/>
+              </a:ext>
+              <a:ext uri="{C183D7F6-B498-43B3-948B-1728B52AA6E4}">
+                <adec:decorative xmlns:adec="http://schemas.microsoft.com/office/drawing/2017/decorative" val="1"/>
+              </a:ext>
+            </a:extLst>
+          </p:cNvPr>
+          <p:cNvCxnSpPr>
+            <a:cxnSpLocks noGrp="1" noRot="1" noChangeAspect="1" noMove="1" noResize="1" noEditPoints="1" noAdjustHandles="1" noChangeArrowheads="1" noChangeShapeType="1"/>
+          </p:cNvCxnSpPr>
+          <p:nvPr>
+            <p:extLst>
+              <p:ext uri="{386F3935-93C4-4BCD-93E2-E3B085C9AB24}">
+                <p16:designElem xmlns:p16="http://schemas.microsoft.com/office/powerpoint/2015/main" val="1"/>
+              </p:ext>
+            </p:extLst>
+          </p:nvPr>
+        </p:nvCxnSpPr>
+        <p:spPr>
+          <a:xfrm>
+            <a:off x="1047624" y="2265037"/>
+            <a:ext cx="10125012" cy="0"/>
+          </a:xfrm>
+          <a:prstGeom prst="line">
+            <a:avLst/>
+          </a:prstGeom>
+          <a:ln w="15875">
+            <a:solidFill>
+              <a:schemeClr val="tx1">
+                <a:lumMod val="65000"/>
+                <a:lumOff val="35000"/>
+              </a:schemeClr>
+            </a:solidFill>
+          </a:ln>
+        </p:spPr>
+        <p:style>
+          <a:lnRef idx="1">
+            <a:schemeClr val="accent1"/>
+          </a:lnRef>
+          <a:fillRef idx="0">
+            <a:schemeClr val="accent1"/>
+          </a:fillRef>
+          <a:effectRef idx="0">
+            <a:schemeClr val="accent1"/>
+          </a:effectRef>
+          <a:fontRef idx="minor">
+            <a:schemeClr val="tx1"/>
+          </a:fontRef>
+        </p:style>
+      </p:cxnSp>
+      <p:pic>
+        <p:nvPicPr>
+          <p:cNvPr id="1030" name="Picture 6" descr="Image result for CARLA simulator logo">
+            <a:extLst>
+              <a:ext uri="{FF2B5EF4-FFF2-40B4-BE49-F238E27FC236}">
+                <a16:creationId xmlns:a16="http://schemas.microsoft.com/office/drawing/2014/main" id="{9F7F4228-DFD3-420C-83B4-B4BB69216980}"/>
+              </a:ext>
+            </a:extLst>
+          </p:cNvPr>
+          <p:cNvPicPr>
+            <a:picLocks noChangeAspect="1" noChangeArrowheads="1"/>
+          </p:cNvPicPr>
+          <p:nvPr/>
+        </p:nvPicPr>
+        <p:blipFill>
+          <a:blip r:embed="rId2">
+            <a:extLst>
+              <a:ext uri="{28A0092B-C50C-407E-A947-70E740481C1C}">
+                <a14:useLocalDpi xmlns:a14="http://schemas.microsoft.com/office/drawing/2010/main" val="0"/>
+              </a:ext>
+            </a:extLst>
+          </a:blip>
+          <a:stretch>
+            <a:fillRect/>
+          </a:stretch>
+        </p:blipFill>
+        <p:spPr bwMode="auto">
+          <a:xfrm>
+            <a:off x="1333206" y="2811104"/>
+            <a:ext cx="2928114" cy="2928114"/>
+          </a:xfrm>
+          <a:prstGeom prst="rect">
+            <a:avLst/>
+          </a:prstGeom>
+          <a:noFill/>
+          <a:extLst>
+            <a:ext uri="{909E8E84-426E-40DD-AFC4-6F175D3DCCD1}">
+              <a14:hiddenFill xmlns:a14="http://schemas.microsoft.com/office/drawing/2010/main">
+                <a:solidFill>
+                  <a:srgbClr val="FFFFFF"/>
+                </a:solidFill>
+              </a14:hiddenFill>
+            </a:ext>
+          </a:extLst>
+        </p:spPr>
+      </p:pic>
       <p:sp>
         <p:nvSpPr>
           <p:cNvPr id="3" name="Content Placeholder 2">
             <a:extLst>
               <a:ext uri="{FF2B5EF4-FFF2-40B4-BE49-F238E27FC236}">
-                <a16:creationId xmlns:a16="http://schemas.microsoft.com/office/drawing/2014/main" id="{814E54C5-3E3A-4AE6-A94F-ECA470C0A324}"/>
+                <a16:creationId xmlns:a16="http://schemas.microsoft.com/office/drawing/2014/main" id="{7114D57D-D8B9-4A07-A7AB-B0279AF7D47D}"/>
               </a:ext>
             </a:extLst>
           </p:cNvPr>
@@ -4375,23 +7800,42 @@
             <p:ph idx="1"/>
           </p:nvPr>
         </p:nvSpPr>
-        <p:spPr/>
-        <p:txBody>
-          <a:bodyPr/>
-          <a:lstStyle/>
-          <a:p>
-            <a:r>
-              <a:rPr lang="en-US" dirty="0"/>
-              <a:t>Add videos of golden run and the violations</a:t>
-            </a:r>
-            <a:endParaRPr lang="en-CA" dirty="0"/>
+        <p:spPr>
+          <a:xfrm>
+            <a:off x="4955354" y="2682433"/>
+            <a:ext cx="6282169" cy="3215749"/>
+          </a:xfrm>
+        </p:spPr>
+        <p:txBody>
+          <a:bodyPr>
+            <a:normAutofit/>
+          </a:bodyPr>
+          <a:lstStyle/>
+          <a:p>
+            <a:pPr marL="0" indent="0">
+              <a:buNone/>
+            </a:pPr>
+            <a:endParaRPr lang="en-US" sz="2400" dirty="0"/>
+          </a:p>
+          <a:p>
+            <a:r>
+              <a:rPr lang="en-US" sz="2400" dirty="0"/>
+              <a:t>An open source urban environment simulator</a:t>
+            </a:r>
+          </a:p>
+          <a:p>
+            <a:r>
+              <a:rPr lang="en-US" sz="2400" dirty="0"/>
+              <a:t>Developed by Intel and Toyota research</a:t>
+            </a:r>
+            <a:endParaRPr lang="en-CA" sz="2400" dirty="0"/>
           </a:p>
         </p:txBody>
       </p:sp>
     </p:spTree>
     <p:extLst>
       <p:ext uri="{BB962C8B-B14F-4D97-AF65-F5344CB8AC3E}">
-        <p14:creationId xmlns:p14="http://schemas.microsoft.com/office/powerpoint/2010/main" val="128212014"/>
+        <p14:creationId xmlns:p14="http://schemas.microsoft.com/office/powerpoint/2010/main" val="2375103952"/>
       </p:ext>
     </p:extLst>
   </p:cSld>
@@ -4423,7 +7867,7 @@
           <p:cNvPr id="2" name="Title 1">
             <a:extLst>
               <a:ext uri="{FF2B5EF4-FFF2-40B4-BE49-F238E27FC236}">
-                <a16:creationId xmlns:a16="http://schemas.microsoft.com/office/drawing/2014/main" id="{88E28CDD-4AA7-47F8-B915-7232D51B7840}"/>
+                <a16:creationId xmlns:a16="http://schemas.microsoft.com/office/drawing/2014/main" id="{8F48DD99-6061-4F04-9706-54A4241775D4}"/>
               </a:ext>
             </a:extLst>
           </p:cNvPr>
@@ -4434,54 +7878,364 @@
             <p:ph type="title"/>
           </p:nvPr>
         </p:nvSpPr>
-        <p:spPr/>
+        <p:spPr>
+          <a:xfrm>
+            <a:off x="838200" y="365125"/>
+            <a:ext cx="10515600" cy="1325563"/>
+          </a:xfrm>
+        </p:spPr>
         <p:txBody>
           <a:bodyPr/>
           <a:lstStyle/>
           <a:p>
             <a:r>
+              <a:rPr lang="en-US"/>
+              <a:t>CARLA – Capabilities</a:t>
+            </a:r>
+            <a:endParaRPr lang="en-CA" dirty="0"/>
+          </a:p>
+        </p:txBody>
+      </p:sp>
+      <p:sp>
+        <p:nvSpPr>
+          <p:cNvPr id="3" name="Content Placeholder 2">
+            <a:extLst>
+              <a:ext uri="{FF2B5EF4-FFF2-40B4-BE49-F238E27FC236}">
+                <a16:creationId xmlns:a16="http://schemas.microsoft.com/office/drawing/2014/main" id="{A3E931FF-C795-4B59-BB74-5B921BC7DB83}"/>
+              </a:ext>
+            </a:extLst>
+          </p:cNvPr>
+          <p:cNvSpPr>
+            <a:spLocks noGrp="1"/>
+          </p:cNvSpPr>
+          <p:nvPr>
+            <p:ph idx="1"/>
+          </p:nvPr>
+        </p:nvSpPr>
+        <p:spPr>
+          <a:xfrm>
+            <a:off x="838200" y="1825625"/>
+            <a:ext cx="3627268" cy="2188854"/>
+          </a:xfrm>
+        </p:spPr>
+        <p:txBody>
+          <a:bodyPr/>
+          <a:lstStyle/>
+          <a:p>
+            <a:r>
               <a:rPr lang="en-US" dirty="0"/>
-              <a:t>Fault model – Fault model</a:t>
-            </a:r>
+              <a:t>Urban Layout</a:t>
+            </a:r>
+          </a:p>
+          <a:p>
             <a:endParaRPr lang="en-CA" dirty="0"/>
           </a:p>
         </p:txBody>
       </p:sp>
-      <p:sp>
-        <p:nvSpPr>
-          <p:cNvPr id="3" name="Content Placeholder 2">
-            <a:extLst>
-              <a:ext uri="{FF2B5EF4-FFF2-40B4-BE49-F238E27FC236}">
-                <a16:creationId xmlns:a16="http://schemas.microsoft.com/office/drawing/2014/main" id="{66EEC0F0-0C45-4C8A-8862-D3EF59ECAD0E}"/>
-              </a:ext>
-            </a:extLst>
-          </p:cNvPr>
-          <p:cNvSpPr>
-            <a:spLocks noGrp="1"/>
-          </p:cNvSpPr>
-          <p:nvPr>
-            <p:ph idx="1"/>
-          </p:nvPr>
-        </p:nvSpPr>
-        <p:spPr/>
-        <p:txBody>
-          <a:bodyPr/>
-          <a:lstStyle/>
-          <a:p>
-            <a:endParaRPr lang="en-CA"/>
+      <p:pic>
+        <p:nvPicPr>
+          <p:cNvPr id="5" name="Picture 4">
+            <a:extLst>
+              <a:ext uri="{FF2B5EF4-FFF2-40B4-BE49-F238E27FC236}">
+                <a16:creationId xmlns:a16="http://schemas.microsoft.com/office/drawing/2014/main" id="{05A0B9E5-BD22-4C21-B9E1-90BEC51A0796}"/>
+              </a:ext>
+            </a:extLst>
+          </p:cNvPr>
+          <p:cNvPicPr>
+            <a:picLocks noChangeAspect="1"/>
+          </p:cNvPicPr>
+          <p:nvPr/>
+        </p:nvPicPr>
+        <p:blipFill>
+          <a:blip r:embed="rId2"/>
+          <a:stretch>
+            <a:fillRect/>
+          </a:stretch>
+        </p:blipFill>
+        <p:spPr>
+          <a:xfrm>
+            <a:off x="6833539" y="4014479"/>
+            <a:ext cx="3823445" cy="2297421"/>
+          </a:xfrm>
+          <a:prstGeom prst="rect">
+            <a:avLst/>
+          </a:prstGeom>
+        </p:spPr>
+      </p:pic>
+      <p:pic>
+        <p:nvPicPr>
+          <p:cNvPr id="8" name="Picture 7">
+            <a:extLst>
+              <a:ext uri="{FF2B5EF4-FFF2-40B4-BE49-F238E27FC236}">
+                <a16:creationId xmlns:a16="http://schemas.microsoft.com/office/drawing/2014/main" id="{D1872318-1761-4193-90BC-C314FA3C88CC}"/>
+              </a:ext>
+            </a:extLst>
+          </p:cNvPr>
+          <p:cNvPicPr>
+            <a:picLocks noChangeAspect="1"/>
+          </p:cNvPicPr>
+          <p:nvPr/>
+        </p:nvPicPr>
+        <p:blipFill>
+          <a:blip r:embed="rId3"/>
+          <a:stretch>
+            <a:fillRect/>
+          </a:stretch>
+        </p:blipFill>
+        <p:spPr>
+          <a:xfrm>
+            <a:off x="734579" y="3994304"/>
+            <a:ext cx="3823445" cy="2317596"/>
+          </a:xfrm>
+          <a:prstGeom prst="rect">
+            <a:avLst/>
+          </a:prstGeom>
+        </p:spPr>
+      </p:pic>
+      <p:sp>
+        <p:nvSpPr>
+          <p:cNvPr id="9" name="TextBox 8">
+            <a:extLst>
+              <a:ext uri="{FF2B5EF4-FFF2-40B4-BE49-F238E27FC236}">
+                <a16:creationId xmlns:a16="http://schemas.microsoft.com/office/drawing/2014/main" id="{1702642B-93AF-414D-A65D-3DACDC924A22}"/>
+              </a:ext>
+            </a:extLst>
+          </p:cNvPr>
+          <p:cNvSpPr txBox="1"/>
+          <p:nvPr/>
+        </p:nvSpPr>
+        <p:spPr>
+          <a:xfrm>
+            <a:off x="6833539" y="1690688"/>
+            <a:ext cx="4890856" cy="1231106"/>
+          </a:xfrm>
+          <a:prstGeom prst="rect">
+            <a:avLst/>
+          </a:prstGeom>
+          <a:noFill/>
+        </p:spPr>
+        <p:txBody>
+          <a:bodyPr wrap="square" rtlCol="0">
+            <a:spAutoFit/>
+          </a:bodyPr>
+          <a:lstStyle/>
+          <a:p>
+            <a:pPr marL="457200" indent="-457200">
+              <a:buFont typeface="Arial" panose="020B0604020202020204" pitchFamily="34" charset="0"/>
+              <a:buChar char="•"/>
+            </a:pPr>
+            <a:r>
+              <a:rPr lang="en-US" sz="2800" dirty="0"/>
+              <a:t>Weather Control</a:t>
+            </a:r>
+          </a:p>
+          <a:p>
+            <a:pPr marL="457200" indent="-457200">
+              <a:buFont typeface="Arial" panose="020B0604020202020204" pitchFamily="34" charset="0"/>
+              <a:buChar char="•"/>
+            </a:pPr>
+            <a:r>
+              <a:rPr lang="en-US" sz="2800" dirty="0"/>
+              <a:t>NPC characters </a:t>
+            </a:r>
+          </a:p>
+          <a:p>
+            <a:endParaRPr lang="en-CA" dirty="0"/>
           </a:p>
         </p:txBody>
       </p:sp>
     </p:spTree>
     <p:extLst>
       <p:ext uri="{BB962C8B-B14F-4D97-AF65-F5344CB8AC3E}">
-        <p14:creationId xmlns:p14="http://schemas.microsoft.com/office/powerpoint/2010/main" val="1656222252"/>
+        <p14:creationId xmlns:p14="http://schemas.microsoft.com/office/powerpoint/2010/main" val="3172628976"/>
       </p:ext>
     </p:extLst>
   </p:cSld>
   <p:clrMapOvr>
     <a:masterClrMapping/>
   </p:clrMapOvr>
+  <p:timing>
+    <p:tnLst>
+      <p:par>
+        <p:cTn id="1" dur="indefinite" restart="never" nodeType="tmRoot">
+          <p:childTnLst>
+            <p:seq concurrent="1" nextAc="seek">
+              <p:cTn id="2" dur="indefinite" nodeType="mainSeq">
+                <p:childTnLst>
+                  <p:par>
+                    <p:cTn id="3" fill="hold">
+                      <p:stCondLst>
+                        <p:cond delay="indefinite"/>
+                      </p:stCondLst>
+                      <p:childTnLst>
+                        <p:par>
+                          <p:cTn id="4" fill="hold">
+                            <p:stCondLst>
+                              <p:cond delay="0"/>
+                            </p:stCondLst>
+                            <p:childTnLst>
+                              <p:par>
+                                <p:cTn id="5" presetID="1" presetClass="entr" presetSubtype="0" fill="hold" grpId="0" nodeType="clickEffect">
+                                  <p:stCondLst>
+                                    <p:cond delay="0"/>
+                                  </p:stCondLst>
+                                  <p:childTnLst>
+                                    <p:set>
+                                      <p:cBhvr>
+                                        <p:cTn id="6" dur="1" fill="hold">
+                                          <p:stCondLst>
+                                            <p:cond delay="0"/>
+                                          </p:stCondLst>
+                                        </p:cTn>
+                                        <p:tgtEl>
+                                          <p:spTgt spid="3">
+                                            <p:txEl>
+                                              <p:pRg st="0" end="0"/>
+                                            </p:txEl>
+                                          </p:spTgt>
+                                        </p:tgtEl>
+                                        <p:attrNameLst>
+                                          <p:attrName>style.visibility</p:attrName>
+                                        </p:attrNameLst>
+                                      </p:cBhvr>
+                                      <p:to>
+                                        <p:strVal val="visible"/>
+                                      </p:to>
+                                    </p:set>
+                                  </p:childTnLst>
+                                </p:cTn>
+                              </p:par>
+                              <p:par>
+                                <p:cTn id="7" presetID="1" presetClass="entr" presetSubtype="0" fill="hold" nodeType="withEffect">
+                                  <p:stCondLst>
+                                    <p:cond delay="0"/>
+                                  </p:stCondLst>
+                                  <p:childTnLst>
+                                    <p:set>
+                                      <p:cBhvr>
+                                        <p:cTn id="8" dur="1" fill="hold">
+                                          <p:stCondLst>
+                                            <p:cond delay="0"/>
+                                          </p:stCondLst>
+                                        </p:cTn>
+                                        <p:tgtEl>
+                                          <p:spTgt spid="8"/>
+                                        </p:tgtEl>
+                                        <p:attrNameLst>
+                                          <p:attrName>style.visibility</p:attrName>
+                                        </p:attrNameLst>
+                                      </p:cBhvr>
+                                      <p:to>
+                                        <p:strVal val="visible"/>
+                                      </p:to>
+                                    </p:set>
+                                  </p:childTnLst>
+                                </p:cTn>
+                              </p:par>
+                            </p:childTnLst>
+                          </p:cTn>
+                        </p:par>
+                      </p:childTnLst>
+                    </p:cTn>
+                  </p:par>
+                  <p:par>
+                    <p:cTn id="9" fill="hold">
+                      <p:stCondLst>
+                        <p:cond delay="indefinite"/>
+                      </p:stCondLst>
+                      <p:childTnLst>
+                        <p:par>
+                          <p:cTn id="10" fill="hold">
+                            <p:stCondLst>
+                              <p:cond delay="0"/>
+                            </p:stCondLst>
+                            <p:childTnLst>
+                              <p:par>
+                                <p:cTn id="11" presetID="1" presetClass="entr" presetSubtype="0" fill="hold" grpId="0" nodeType="clickEffect">
+                                  <p:stCondLst>
+                                    <p:cond delay="0"/>
+                                  </p:stCondLst>
+                                  <p:childTnLst>
+                                    <p:set>
+                                      <p:cBhvr>
+                                        <p:cTn id="12" dur="1" fill="hold">
+                                          <p:stCondLst>
+                                            <p:cond delay="0"/>
+                                          </p:stCondLst>
+                                        </p:cTn>
+                                        <p:tgtEl>
+                                          <p:spTgt spid="9"/>
+                                        </p:tgtEl>
+                                        <p:attrNameLst>
+                                          <p:attrName>style.visibility</p:attrName>
+                                        </p:attrNameLst>
+                                      </p:cBhvr>
+                                      <p:to>
+                                        <p:strVal val="visible"/>
+                                      </p:to>
+                                    </p:set>
+                                  </p:childTnLst>
+                                </p:cTn>
+                              </p:par>
+                              <p:par>
+                                <p:cTn id="13" presetID="1" presetClass="entr" presetSubtype="0" fill="hold" nodeType="withEffect">
+                                  <p:stCondLst>
+                                    <p:cond delay="0"/>
+                                  </p:stCondLst>
+                                  <p:childTnLst>
+                                    <p:set>
+                                      <p:cBhvr>
+                                        <p:cTn id="14" dur="1" fill="hold">
+                                          <p:stCondLst>
+                                            <p:cond delay="0"/>
+                                          </p:stCondLst>
+                                        </p:cTn>
+                                        <p:tgtEl>
+                                          <p:spTgt spid="5"/>
+                                        </p:tgtEl>
+                                        <p:attrNameLst>
+                                          <p:attrName>style.visibility</p:attrName>
+                                        </p:attrNameLst>
+                                      </p:cBhvr>
+                                      <p:to>
+                                        <p:strVal val="visible"/>
+                                      </p:to>
+                                    </p:set>
+                                  </p:childTnLst>
+                                </p:cTn>
+                              </p:par>
+                            </p:childTnLst>
+                          </p:cTn>
+                        </p:par>
+                      </p:childTnLst>
+                    </p:cTn>
+                  </p:par>
+                </p:childTnLst>
+              </p:cTn>
+              <p:prevCondLst>
+                <p:cond evt="onPrev" delay="0">
+                  <p:tgtEl>
+                    <p:sldTgt/>
+                  </p:tgtEl>
+                </p:cond>
+              </p:prevCondLst>
+              <p:nextCondLst>
+                <p:cond evt="onNext" delay="0">
+                  <p:tgtEl>
+                    <p:sldTgt/>
+                  </p:tgtEl>
+                </p:cond>
+              </p:nextCondLst>
+            </p:seq>
+          </p:childTnLst>
+        </p:cTn>
+      </p:par>
+    </p:tnLst>
+    <p:bldLst>
+      <p:bldP spid="3" grpId="0" build="p"/>
+      <p:bldP spid="9" grpId="0"/>
+    </p:bldLst>
+  </p:timing>
 </p:sld>
 </file>
 
@@ -4778,4 +8532,299 @@
     </a:ext>
   </a:extLst>
 </a:theme>
+</file>
+
+<file path=ppt/theme/theme2.xml><?xml version="1.0" encoding="utf-8"?>
+<a:theme xmlns:a="http://schemas.openxmlformats.org/drawingml/2006/main" name="Office Theme">
+  <a:themeElements>
+    <a:clrScheme name="Office">
+      <a:dk1>
+        <a:sysClr val="windowText" lastClr="000000"/>
+      </a:dk1>
+      <a:lt1>
+        <a:sysClr val="window" lastClr="FFFFFF"/>
+      </a:lt1>
+      <a:dk2>
+        <a:srgbClr val="44546A"/>
+      </a:dk2>
+      <a:lt2>
+        <a:srgbClr val="E7E6E6"/>
+      </a:lt2>
+      <a:accent1>
+        <a:srgbClr val="4472C4"/>
+      </a:accent1>
+      <a:accent2>
+        <a:srgbClr val="ED7D31"/>
+      </a:accent2>
+      <a:accent3>
+        <a:srgbClr val="A5A5A5"/>
+      </a:accent3>
+      <a:accent4>
+        <a:srgbClr val="FFC000"/>
+      </a:accent4>
+      <a:accent5>
+        <a:srgbClr val="5B9BD5"/>
+      </a:accent5>
+      <a:accent6>
+        <a:srgbClr val="70AD47"/>
+      </a:accent6>
+      <a:hlink>
+        <a:srgbClr val="0563C1"/>
+      </a:hlink>
+      <a:folHlink>
+        <a:srgbClr val="954F72"/>
+      </a:folHlink>
+    </a:clrScheme>
+    <a:fontScheme name="Office">
+      <a:majorFont>
+        <a:latin typeface="Calibri Light" panose="020F0302020204030204"/>
+        <a:ea typeface=""/>
+        <a:cs typeface=""/>
+        <a:font script="Jpan" typeface="游ゴシック Light"/>
+        <a:font script="Hang" typeface="맑은 고딕"/>
+        <a:font script="Hans" typeface="等线 Light"/>
+        <a:font script="Hant" typeface="新細明體"/>
+        <a:font script="Arab" typeface="Times New Roman"/>
+        <a:font script="Hebr" typeface="Times New Roman"/>
+        <a:font script="Thai" typeface="Angsana New"/>
+        <a:font script="Ethi" typeface="Nyala"/>
+        <a:font script="Beng" typeface="Vrinda"/>
+        <a:font script="Gujr" typeface="Shruti"/>
+        <a:font script="Khmr" typeface="MoolBoran"/>
+        <a:font script="Knda" typeface="Tunga"/>
+        <a:font script="Guru" typeface="Raavi"/>
+        <a:font script="Cans" typeface="Euphemia"/>
+        <a:font script="Cher" typeface="Plantagenet Cherokee"/>
+        <a:font script="Yiii" typeface="Microsoft Yi Baiti"/>
+        <a:font script="Tibt" typeface="Microsoft Himalaya"/>
+        <a:font script="Thaa" typeface="MV Boli"/>
+        <a:font script="Deva" typeface="Mangal"/>
+        <a:font script="Telu" typeface="Gautami"/>
+        <a:font script="Taml" typeface="Latha"/>
+        <a:font script="Syrc" typeface="Estrangelo Edessa"/>
+        <a:font script="Orya" typeface="Kalinga"/>
+        <a:font script="Mlym" typeface="Kartika"/>
+        <a:font script="Laoo" typeface="DokChampa"/>
+        <a:font script="Sinh" typeface="Iskoola Pota"/>
+        <a:font script="Mong" typeface="Mongolian Baiti"/>
+        <a:font script="Viet" typeface="Times New Roman"/>
+        <a:font script="Uigh" typeface="Microsoft Uighur"/>
+        <a:font script="Geor" typeface="Sylfaen"/>
+        <a:font script="Armn" typeface="Arial"/>
+        <a:font script="Bugi" typeface="Leelawadee UI"/>
+        <a:font script="Bopo" typeface="Microsoft JhengHei"/>
+        <a:font script="Java" typeface="Javanese Text"/>
+        <a:font script="Lisu" typeface="Segoe UI"/>
+        <a:font script="Mymr" typeface="Myanmar Text"/>
+        <a:font script="Nkoo" typeface="Ebrima"/>
+        <a:font script="Olck" typeface="Nirmala UI"/>
+        <a:font script="Osma" typeface="Ebrima"/>
+        <a:font script="Phag" typeface="Phagspa"/>
+        <a:font script="Syrn" typeface="Estrangelo Edessa"/>
+        <a:font script="Syrj" typeface="Estrangelo Edessa"/>
+        <a:font script="Syre" typeface="Estrangelo Edessa"/>
+        <a:font script="Sora" typeface="Nirmala UI"/>
+        <a:font script="Tale" typeface="Microsoft Tai Le"/>
+        <a:font script="Talu" typeface="Microsoft New Tai Lue"/>
+        <a:font script="Tfng" typeface="Ebrima"/>
+      </a:majorFont>
+      <a:minorFont>
+        <a:latin typeface="Calibri" panose="020F0502020204030204"/>
+        <a:ea typeface=""/>
+        <a:cs typeface=""/>
+        <a:font script="Jpan" typeface="游ゴシック"/>
+        <a:font script="Hang" typeface="맑은 고딕"/>
+        <a:font script="Hans" typeface="等线"/>
+        <a:font script="Hant" typeface="新細明體"/>
+        <a:font script="Arab" typeface="Arial"/>
+        <a:font script="Hebr" typeface="Arial"/>
+        <a:font script="Thai" typeface="Cordia New"/>
+        <a:font script="Ethi" typeface="Nyala"/>
+        <a:font script="Beng" typeface="Vrinda"/>
+        <a:font script="Gujr" typeface="Shruti"/>
+        <a:font script="Khmr" typeface="DaunPenh"/>
+        <a:font script="Knda" typeface="Tunga"/>
+        <a:font script="Guru" typeface="Raavi"/>
+        <a:font script="Cans" typeface="Euphemia"/>
+        <a:font script="Cher" typeface="Plantagenet Cherokee"/>
+        <a:font script="Yiii" typeface="Microsoft Yi Baiti"/>
+        <a:font script="Tibt" typeface="Microsoft Himalaya"/>
+        <a:font script="Thaa" typeface="MV Boli"/>
+        <a:font script="Deva" typeface="Mangal"/>
+        <a:font script="Telu" typeface="Gautami"/>
+        <a:font script="Taml" typeface="Latha"/>
+        <a:font script="Syrc" typeface="Estrangelo Edessa"/>
+        <a:font script="Orya" typeface="Kalinga"/>
+        <a:font script="Mlym" typeface="Kartika"/>
+        <a:font script="Laoo" typeface="DokChampa"/>
+        <a:font script="Sinh" typeface="Iskoola Pota"/>
+        <a:font script="Mong" typeface="Mongolian Baiti"/>
+        <a:font script="Viet" typeface="Arial"/>
+        <a:font script="Uigh" typeface="Microsoft Uighur"/>
+        <a:font script="Geor" typeface="Sylfaen"/>
+        <a:font script="Armn" typeface="Arial"/>
+        <a:font script="Bugi" typeface="Leelawadee UI"/>
+        <a:font script="Bopo" typeface="Microsoft JhengHei"/>
+        <a:font script="Java" typeface="Javanese Text"/>
+        <a:font script="Lisu" typeface="Segoe UI"/>
+        <a:font script="Mymr" typeface="Myanmar Text"/>
+        <a:font script="Nkoo" typeface="Ebrima"/>
+        <a:font script="Olck" typeface="Nirmala UI"/>
+        <a:font script="Osma" typeface="Ebrima"/>
+        <a:font script="Phag" typeface="Phagspa"/>
+        <a:font script="Syrn" typeface="Estrangelo Edessa"/>
+        <a:font script="Syrj" typeface="Estrangelo Edessa"/>
+        <a:font script="Syre" typeface="Estrangelo Edessa"/>
+        <a:font script="Sora" typeface="Nirmala UI"/>
+        <a:font script="Tale" typeface="Microsoft Tai Le"/>
+        <a:font script="Talu" typeface="Microsoft New Tai Lue"/>
+        <a:font script="Tfng" typeface="Ebrima"/>
+      </a:minorFont>
+    </a:fontScheme>
+    <a:fmtScheme name="Office">
+      <a:fillStyleLst>
+        <a:solidFill>
+          <a:schemeClr val="phClr"/>
+        </a:solidFill>
+        <a:gradFill rotWithShape="1">
+          <a:gsLst>
+            <a:gs pos="0">
+              <a:schemeClr val="phClr">
+                <a:lumMod val="110000"/>
+                <a:satMod val="105000"/>
+                <a:tint val="67000"/>
+              </a:schemeClr>
+            </a:gs>
+            <a:gs pos="50000">
+              <a:schemeClr val="phClr">
+                <a:lumMod val="105000"/>
+                <a:satMod val="103000"/>
+                <a:tint val="73000"/>
+              </a:schemeClr>
+            </a:gs>
+            <a:gs pos="100000">
+              <a:schemeClr val="phClr">
+                <a:lumMod val="105000"/>
+                <a:satMod val="109000"/>
+                <a:tint val="81000"/>
+              </a:schemeClr>
+            </a:gs>
+          </a:gsLst>
+          <a:lin ang="5400000" scaled="0"/>
+        </a:gradFill>
+        <a:gradFill rotWithShape="1">
+          <a:gsLst>
+            <a:gs pos="0">
+              <a:schemeClr val="phClr">
+                <a:satMod val="103000"/>
+                <a:lumMod val="102000"/>
+                <a:tint val="94000"/>
+              </a:schemeClr>
+            </a:gs>
+            <a:gs pos="50000">
+              <a:schemeClr val="phClr">
+                <a:satMod val="110000"/>
+                <a:lumMod val="100000"/>
+                <a:shade val="100000"/>
+              </a:schemeClr>
+            </a:gs>
+            <a:gs pos="100000">
+              <a:schemeClr val="phClr">
+                <a:lumMod val="99000"/>
+                <a:satMod val="120000"/>
+                <a:shade val="78000"/>
+              </a:schemeClr>
+            </a:gs>
+          </a:gsLst>
+          <a:lin ang="5400000" scaled="0"/>
+        </a:gradFill>
+      </a:fillStyleLst>
+      <a:lnStyleLst>
+        <a:ln w="6350" cap="flat" cmpd="sng" algn="ctr">
+          <a:solidFill>
+            <a:schemeClr val="phClr"/>
+          </a:solidFill>
+          <a:prstDash val="solid"/>
+          <a:miter lim="800000"/>
+        </a:ln>
+        <a:ln w="12700" cap="flat" cmpd="sng" algn="ctr">
+          <a:solidFill>
+            <a:schemeClr val="phClr"/>
+          </a:solidFill>
+          <a:prstDash val="solid"/>
+          <a:miter lim="800000"/>
+        </a:ln>
+        <a:ln w="19050" cap="flat" cmpd="sng" algn="ctr">
+          <a:solidFill>
+            <a:schemeClr val="phClr"/>
+          </a:solidFill>
+          <a:prstDash val="solid"/>
+          <a:miter lim="800000"/>
+        </a:ln>
+      </a:lnStyleLst>
+      <a:effectStyleLst>
+        <a:effectStyle>
+          <a:effectLst/>
+        </a:effectStyle>
+        <a:effectStyle>
+          <a:effectLst/>
+        </a:effectStyle>
+        <a:effectStyle>
+          <a:effectLst>
+            <a:outerShdw blurRad="57150" dist="19050" dir="5400000" algn="ctr" rotWithShape="0">
+              <a:srgbClr val="000000">
+                <a:alpha val="63000"/>
+              </a:srgbClr>
+            </a:outerShdw>
+          </a:effectLst>
+        </a:effectStyle>
+      </a:effectStyleLst>
+      <a:bgFillStyleLst>
+        <a:solidFill>
+          <a:schemeClr val="phClr"/>
+        </a:solidFill>
+        <a:solidFill>
+          <a:schemeClr val="phClr">
+            <a:tint val="95000"/>
+            <a:satMod val="170000"/>
+          </a:schemeClr>
+        </a:solidFill>
+        <a:gradFill rotWithShape="1">
+          <a:gsLst>
+            <a:gs pos="0">
+              <a:schemeClr val="phClr">
+                <a:tint val="93000"/>
+                <a:satMod val="150000"/>
+                <a:shade val="98000"/>
+                <a:lumMod val="102000"/>
+              </a:schemeClr>
+            </a:gs>
+            <a:gs pos="50000">
+              <a:schemeClr val="phClr">
+                <a:tint val="98000"/>
+                <a:satMod val="130000"/>
+                <a:shade val="90000"/>
+                <a:lumMod val="103000"/>
+              </a:schemeClr>
+            </a:gs>
+            <a:gs pos="100000">
+              <a:schemeClr val="phClr">
+                <a:shade val="63000"/>
+                <a:satMod val="120000"/>
+              </a:schemeClr>
+            </a:gs>
+          </a:gsLst>
+          <a:lin ang="5400000" scaled="0"/>
+        </a:gradFill>
+      </a:bgFillStyleLst>
+    </a:fmtScheme>
+  </a:themeElements>
+  <a:objectDefaults/>
+  <a:extraClrSchemeLst/>
+  <a:extLst>
+    <a:ext uri="{05A4C25C-085E-4340-85A3-A5531E510DB2}">
+      <thm15:themeFamily xmlns:thm15="http://schemas.microsoft.com/office/thememl/2012/main" name="Office Theme" id="{62F939B6-93AF-4DB8-9C6B-D6C7DFDC589F}" vid="{4A3C46E8-61CC-4603-A589-7422A47A8E4A}"/>
+    </a:ext>
+  </a:extLst>
+</a:theme>
 </file>